--- a/Eagle Eye Presentation.pptx
+++ b/Eagle Eye Presentation.pptx
@@ -5,10 +5,10 @@
     <p:sldMasterId id="2147483648" r:id="rId4"/>
   </p:sldMasterIdLst>
   <p:notesMasterIdLst>
-    <p:notesMasterId r:id="rId16"/>
+    <p:notesMasterId r:id="rId15"/>
   </p:notesMasterIdLst>
   <p:handoutMasterIdLst>
-    <p:handoutMasterId r:id="rId17"/>
+    <p:handoutMasterId r:id="rId16"/>
   </p:handoutMasterIdLst>
   <p:sldIdLst>
     <p:sldId id="279" r:id="rId5"/>
@@ -17,11 +17,10 @@
     <p:sldId id="271" r:id="rId8"/>
     <p:sldId id="272" r:id="rId9"/>
     <p:sldId id="276" r:id="rId10"/>
-    <p:sldId id="281" r:id="rId11"/>
-    <p:sldId id="273" r:id="rId12"/>
-    <p:sldId id="274" r:id="rId13"/>
-    <p:sldId id="275" r:id="rId14"/>
-    <p:sldId id="280" r:id="rId15"/>
+    <p:sldId id="273" r:id="rId11"/>
+    <p:sldId id="274" r:id="rId12"/>
+    <p:sldId id="275" r:id="rId13"/>
+    <p:sldId id="280" r:id="rId14"/>
   </p:sldIdLst>
   <p:sldSz cx="12192000" cy="6858000"/>
   <p:notesSz cx="6858000" cy="9144000"/>
@@ -131,6 +130,133 @@
 </p:presentation>
 </file>
 
+<file path=ppt/authors.xml><?xml version="1.0" encoding="utf-8"?>
+<p188:authorLst xmlns:a="http://schemas.openxmlformats.org/drawingml/2006/main" xmlns:r="http://schemas.openxmlformats.org/officeDocument/2006/relationships" xmlns:p188="http://schemas.microsoft.com/office/powerpoint/2018/8/main">
+  <p188:author id="{D4B6EA11-4D6B-45BD-D189-D36FAA465515}" name="McElwain, Zach (FAA)" initials="M(" userId="S::zach.mcelwain_faa.gov#ext#@usdot.onmicrosoft.com::c77fe152-9442-4835-a585-9c54cabdf725" providerId="AD"/>
+  <p188:author id="{483B292E-F3E2-CDDA-7C3D-B1332C4D1B6D}" name="Bradford, James B (FAA)" initials="B(" userId="S::james.b.bradford_faa.gov#ext#@usdot.onmicrosoft.com::35ff99f1-f78f-474c-ac49-dc64277e079c" providerId="AD"/>
+  <p188:author id="{EA382531-7D8A-D0CA-F80B-B06E89D370CB}" name="Jeffries, Imani (FAA)" initials="J(" userId="S::imani.jeffries_faa.gov#ext#@usdot.onmicrosoft.com::a9fc161b-4cea-49da-b411-75f665740ead" providerId="AD"/>
+  <p188:author id="{C1A475FA-4A5E-288F-6A86-1CF39C26D5E4}" name="Conyers, Jacqueline (OST)" initials="C(" userId="S::jacqueline.conyers@ad.dot.gov::13f4dcc6-bc6a-488a-8613-ea8a5cbc85f6" providerId="AD"/>
+</p188:authorLst>
+</file>
+
+<file path=ppt/revisionInfo.xml><?xml version="1.0" encoding="utf-8"?>
+<p1510:revInfo xmlns:a="http://schemas.openxmlformats.org/drawingml/2006/main" xmlns:r="http://schemas.openxmlformats.org/officeDocument/2006/relationships" xmlns:p1510="http://schemas.microsoft.com/office/powerpoint/2015/10/main">
+  <p1510:revLst>
+    <p1510:client id="{08BED694-161B-4D93-842D-852E1772483C}" v="23" dt="2023-10-10T18:25:10.319"/>
+    <p1510:client id="{37F27AAD-10CA-4EFB-96FB-8319211108F9}" v="2" vWet="6" dt="2023-10-10T18:10:01.765"/>
+    <p1510:client id="{4E0CD104-8735-7547-82DD-067E56FC3259}" v="51" dt="2023-10-10T18:20:24.455"/>
+    <p1510:client id="{739FC8C8-060E-8028-A549-09A8B557B517}" v="368" dt="2023-10-10T12:27:29.539"/>
+    <p1510:client id="{EE399224-5002-4243-BC37-75FE6A6115EC}" v="1" dt="2023-10-11T16:23:55.955"/>
+  </p1510:revLst>
+</p1510:revInfo>
+</file>
+
+<file path=ppt/comments/modernComment_10D_976E7C29.xml><?xml version="1.0" encoding="utf-8"?>
+<p188:cmLst xmlns:a="http://schemas.openxmlformats.org/drawingml/2006/main" xmlns:r="http://schemas.openxmlformats.org/officeDocument/2006/relationships" xmlns:p188="http://schemas.microsoft.com/office/powerpoint/2018/8/main">
+  <p188:cm id="{E6079938-D6D9-4F95-8594-0E1FFE9B0870}" authorId="{C1A475FA-4A5E-288F-6A86-1CF39C26D5E4}" status="resolved" created="2023-10-05T20:06:47.588" complete="100000">
+    <pc:sldMkLst xmlns:pc="http://schemas.microsoft.com/office/powerpoint/2013/main/command">
+      <pc:docMk/>
+      <pc:sldMk cId="2540600361" sldId="269"/>
+    </pc:sldMkLst>
+    <p188:replyLst>
+      <p188:reply id="{0A93E91D-E0FC-4481-BB8E-F7509230723C}" authorId="{483B292E-F3E2-CDDA-7C3D-B1332C4D1B6D}" created="2023-10-10T12:07:22.484">
+        <p188:txBody>
+          <a:bodyPr/>
+          <a:lstStyle/>
+          <a:p>
+            <a:r>
+              <a:rPr lang="en-US"/>
+              <a:t>I assumed this slide is for a background of myself and team. Is it one about the product? Because that is all accomplished in the solution overview and beyond</a:t>
+            </a:r>
+          </a:p>
+        </p188:txBody>
+      </p188:reply>
+    </p188:replyLst>
+    <p188:txBody>
+      <a:bodyPr/>
+      <a:lstStyle/>
+      <a:p>
+        <a:r>
+          <a:rPr lang="en-US"/>
+          <a:t>Blake did a very good job speaking to background, please change the bullets so the background of the issue is apparent when reading the slide.   
+Also, keep in mind that non-technical people will attend this event, so reconsider using tech terms (custom connector, C# Plugins, etc.).  If used, please explain them.</a:t>
+        </a:r>
+      </a:p>
+    </p188:txBody>
+  </p188:cm>
+</p188:cmLst>
+</file>
+
+<file path=ppt/comments/modernComment_112_969FA349.xml><?xml version="1.0" encoding="utf-8"?>
+<p188:cmLst xmlns:a="http://schemas.openxmlformats.org/drawingml/2006/main" xmlns:r="http://schemas.openxmlformats.org/officeDocument/2006/relationships" xmlns:p188="http://schemas.microsoft.com/office/powerpoint/2018/8/main">
+  <p188:cm id="{D59DDA77-43EE-411F-9368-A75CF430E164}" authorId="{C1A475FA-4A5E-288F-6A86-1CF39C26D5E4}" status="resolved" created="2023-10-05T20:22:24.395" complete="100000">
+    <pc:sldMkLst xmlns:pc="http://schemas.microsoft.com/office/powerpoint/2013/main/command">
+      <pc:docMk/>
+      <pc:sldMk cId="2527044425" sldId="274"/>
+    </pc:sldMkLst>
+    <p188:replyLst>
+      <p188:reply id="{C5E9F0BE-909C-42A3-91D4-BD982B218F5F}" authorId="{483B292E-F3E2-CDDA-7C3D-B1332C4D1B6D}" created="2023-10-10T12:20:38.661">
+        <p188:txBody>
+          <a:bodyPr/>
+          <a:lstStyle/>
+          <a:p>
+            <a:r>
+              <a:rPr lang="en-US"/>
+              <a:t>Condensed</a:t>
+            </a:r>
+          </a:p>
+        </p188:txBody>
+      </p188:reply>
+    </p188:replyLst>
+    <p188:txBody>
+      <a:bodyPr/>
+      <a:lstStyle/>
+      <a:p>
+        <a:r>
+          <a:rPr lang="en-US"/>
+          <a:t>Too much information on this slide, please delete some of the bullets and  make them talking points.  Also use a different style of bullet for your sub points, to ensure the slide is 508 compliant. </a:t>
+        </a:r>
+      </a:p>
+    </p188:txBody>
+  </p188:cm>
+</p188:cmLst>
+</file>
+
+<file path=ppt/comments/modernComment_113_53B948B7.xml><?xml version="1.0" encoding="utf-8"?>
+<p188:cmLst xmlns:a="http://schemas.openxmlformats.org/drawingml/2006/main" xmlns:r="http://schemas.openxmlformats.org/officeDocument/2006/relationships" xmlns:p188="http://schemas.microsoft.com/office/powerpoint/2018/8/main">
+  <p188:cm id="{5DE8AB11-7ACD-44C9-9E67-98AAA5919844}" authorId="{C1A475FA-4A5E-288F-6A86-1CF39C26D5E4}" status="resolved" created="2023-10-05T20:23:45.693" complete="100000">
+    <pc:sldMkLst xmlns:pc="http://schemas.microsoft.com/office/powerpoint/2013/main/command">
+      <pc:docMk/>
+      <pc:sldMk cId="1404651703" sldId="275"/>
+    </pc:sldMkLst>
+    <p188:replyLst>
+      <p188:reply id="{950436B6-0342-41E4-AD09-00AA802F55E9}" authorId="{483B292E-F3E2-CDDA-7C3D-B1332C4D1B6D}" created="2023-10-10T12:24:32.538">
+        <p188:txBody>
+          <a:bodyPr/>
+          <a:lstStyle/>
+          <a:p>
+            <a:r>
+              <a:rPr lang="en-US"/>
+              <a:t>changed the background color</a:t>
+            </a:r>
+          </a:p>
+        </p188:txBody>
+      </p188:reply>
+    </p188:replyLst>
+    <p188:txBody>
+      <a:bodyPr/>
+      <a:lstStyle/>
+      <a:p>
+        <a:r>
+          <a:rPr lang="en-US"/>
+          <a:t>Hard to read -- change to white.  Appearing as white to the left, but not in the main frame.</a:t>
+        </a:r>
+      </a:p>
+    </p188:txBody>
+  </p188:cm>
+</p188:cmLst>
+</file>
+
 <file path=ppt/handoutMasters/handoutMaster1.xml><?xml version="1.0" encoding="utf-8"?>
 <p:handoutMaster xmlns:a="http://schemas.openxmlformats.org/drawingml/2006/main" xmlns:r="http://schemas.openxmlformats.org/officeDocument/2006/relationships" xmlns:p="http://schemas.openxmlformats.org/presentationml/2006/main">
   <p:cSld>
@@ -225,7 +351,7 @@
           <a:p>
             <a:fld id="{7AF20DA7-4F68-4591-84F4-DA01936D388A}" type="datetimeFigureOut">
               <a:rPr lang="en-US" smtClean="0"/>
-              <a:t>9/25/2023</a:t>
+              <a:t>10/11/2023</a:t>
             </a:fld>
             <a:endParaRPr lang="en-US"/>
           </a:p>
@@ -402,7 +528,7 @@
           <a:p>
             <a:fld id="{FF85BFE0-BFD9-4DF0-80B4-414E8C6D93F3}" type="datetimeFigureOut">
               <a:rPr lang="en-US" smtClean="0"/>
-              <a:t>9/25/2023</a:t>
+              <a:t>10/11/2023</a:t>
             </a:fld>
             <a:endParaRPr lang="en-US"/>
           </a:p>
@@ -669,6 +795,350 @@
 </p:notesMaster>
 </file>
 
+<file path=ppt/notesSlides/notesSlide1.xml><?xml version="1.0" encoding="utf-8"?>
+<p:notes xmlns:a="http://schemas.openxmlformats.org/drawingml/2006/main" xmlns:r="http://schemas.openxmlformats.org/officeDocument/2006/relationships" xmlns:p="http://schemas.openxmlformats.org/presentationml/2006/main">
+  <p:cSld>
+    <p:spTree>
+      <p:nvGrpSpPr>
+        <p:cNvPr id="1" name=""/>
+        <p:cNvGrpSpPr/>
+        <p:nvPr/>
+      </p:nvGrpSpPr>
+      <p:grpSpPr>
+        <a:xfrm>
+          <a:off x="0" y="0"/>
+          <a:ext cx="0" cy="0"/>
+          <a:chOff x="0" y="0"/>
+          <a:chExt cx="0" cy="0"/>
+        </a:xfrm>
+      </p:grpSpPr>
+      <p:sp>
+        <p:nvSpPr>
+          <p:cNvPr id="2" name="Slide Image Placeholder 1"/>
+          <p:cNvSpPr>
+            <a:spLocks noGrp="1" noRot="1" noChangeAspect="1"/>
+          </p:cNvSpPr>
+          <p:nvPr>
+            <p:ph type="sldImg"/>
+          </p:nvPr>
+        </p:nvSpPr>
+        <p:spPr/>
+      </p:sp>
+      <p:sp>
+        <p:nvSpPr>
+          <p:cNvPr id="3" name="Notes Placeholder 2"/>
+          <p:cNvSpPr>
+            <a:spLocks noGrp="1"/>
+          </p:cNvSpPr>
+          <p:nvPr>
+            <p:ph type="body" idx="1"/>
+          </p:nvPr>
+        </p:nvSpPr>
+        <p:spPr/>
+        <p:txBody>
+          <a:bodyPr/>
+          <a:lstStyle/>
+          <a:p>
+            <a:endParaRPr lang="en-US">
+              <a:cs typeface="Calibri"/>
+            </a:endParaRPr>
+          </a:p>
+        </p:txBody>
+      </p:sp>
+      <p:sp>
+        <p:nvSpPr>
+          <p:cNvPr id="4" name="Slide Number Placeholder 3"/>
+          <p:cNvSpPr>
+            <a:spLocks noGrp="1"/>
+          </p:cNvSpPr>
+          <p:nvPr>
+            <p:ph type="sldNum" sz="quarter" idx="5"/>
+          </p:nvPr>
+        </p:nvSpPr>
+        <p:spPr/>
+        <p:txBody>
+          <a:bodyPr/>
+          <a:lstStyle/>
+          <a:p>
+            <a:fld id="{CF3F399D-19ED-442C-990F-0BC174DC3918}" type="slidenum">
+              <a:rPr lang="en-US" smtClean="0"/>
+              <a:t>2</a:t>
+            </a:fld>
+            <a:endParaRPr lang="en-US"/>
+          </a:p>
+        </p:txBody>
+      </p:sp>
+    </p:spTree>
+    <p:extLst>
+      <p:ext uri="{BB962C8B-B14F-4D97-AF65-F5344CB8AC3E}">
+        <p14:creationId xmlns:p14="http://schemas.microsoft.com/office/powerpoint/2010/main" val="2289289558"/>
+      </p:ext>
+    </p:extLst>
+  </p:cSld>
+  <p:clrMapOvr>
+    <a:masterClrMapping/>
+  </p:clrMapOvr>
+</p:notes>
+</file>
+
+<file path=ppt/notesSlides/notesSlide2.xml><?xml version="1.0" encoding="utf-8"?>
+<p:notes xmlns:a="http://schemas.openxmlformats.org/drawingml/2006/main" xmlns:r="http://schemas.openxmlformats.org/officeDocument/2006/relationships" xmlns:p="http://schemas.openxmlformats.org/presentationml/2006/main">
+  <p:cSld>
+    <p:spTree>
+      <p:nvGrpSpPr>
+        <p:cNvPr id="1" name=""/>
+        <p:cNvGrpSpPr/>
+        <p:nvPr/>
+      </p:nvGrpSpPr>
+      <p:grpSpPr>
+        <a:xfrm>
+          <a:off x="0" y="0"/>
+          <a:ext cx="0" cy="0"/>
+          <a:chOff x="0" y="0"/>
+          <a:chExt cx="0" cy="0"/>
+        </a:xfrm>
+      </p:grpSpPr>
+      <p:sp>
+        <p:nvSpPr>
+          <p:cNvPr id="2" name="Slide Image Placeholder 1"/>
+          <p:cNvSpPr>
+            <a:spLocks noGrp="1" noRot="1" noChangeAspect="1"/>
+          </p:cNvSpPr>
+          <p:nvPr>
+            <p:ph type="sldImg"/>
+          </p:nvPr>
+        </p:nvSpPr>
+        <p:spPr/>
+      </p:sp>
+      <p:sp>
+        <p:nvSpPr>
+          <p:cNvPr id="3" name="Notes Placeholder 2"/>
+          <p:cNvSpPr>
+            <a:spLocks noGrp="1"/>
+          </p:cNvSpPr>
+          <p:nvPr>
+            <p:ph type="body" idx="1"/>
+          </p:nvPr>
+        </p:nvSpPr>
+        <p:spPr/>
+        <p:txBody>
+          <a:bodyPr/>
+          <a:lstStyle/>
+          <a:p>
+            <a:endParaRPr lang="en-US">
+              <a:cs typeface="Calibri" panose="020F0502020204030204"/>
+            </a:endParaRPr>
+          </a:p>
+        </p:txBody>
+      </p:sp>
+      <p:sp>
+        <p:nvSpPr>
+          <p:cNvPr id="4" name="Slide Number Placeholder 3"/>
+          <p:cNvSpPr>
+            <a:spLocks noGrp="1"/>
+          </p:cNvSpPr>
+          <p:nvPr>
+            <p:ph type="sldNum" sz="quarter" idx="5"/>
+          </p:nvPr>
+        </p:nvSpPr>
+        <p:spPr/>
+        <p:txBody>
+          <a:bodyPr/>
+          <a:lstStyle/>
+          <a:p>
+            <a:fld id="{CF3F399D-19ED-442C-990F-0BC174DC3918}" type="slidenum">
+              <a:rPr lang="en-US" smtClean="0"/>
+              <a:t>3</a:t>
+            </a:fld>
+            <a:endParaRPr lang="en-US"/>
+          </a:p>
+        </p:txBody>
+      </p:sp>
+    </p:spTree>
+    <p:extLst>
+      <p:ext uri="{BB962C8B-B14F-4D97-AF65-F5344CB8AC3E}">
+        <p14:creationId xmlns:p14="http://schemas.microsoft.com/office/powerpoint/2010/main" val="746169141"/>
+      </p:ext>
+    </p:extLst>
+  </p:cSld>
+  <p:clrMapOvr>
+    <a:masterClrMapping/>
+  </p:clrMapOvr>
+</p:notes>
+</file>
+
+<file path=ppt/notesSlides/notesSlide3.xml><?xml version="1.0" encoding="utf-8"?>
+<p:notes xmlns:a="http://schemas.openxmlformats.org/drawingml/2006/main" xmlns:r="http://schemas.openxmlformats.org/officeDocument/2006/relationships" xmlns:p="http://schemas.openxmlformats.org/presentationml/2006/main">
+  <p:cSld>
+    <p:spTree>
+      <p:nvGrpSpPr>
+        <p:cNvPr id="1" name=""/>
+        <p:cNvGrpSpPr/>
+        <p:nvPr/>
+      </p:nvGrpSpPr>
+      <p:grpSpPr>
+        <a:xfrm>
+          <a:off x="0" y="0"/>
+          <a:ext cx="0" cy="0"/>
+          <a:chOff x="0" y="0"/>
+          <a:chExt cx="0" cy="0"/>
+        </a:xfrm>
+      </p:grpSpPr>
+      <p:sp>
+        <p:nvSpPr>
+          <p:cNvPr id="2" name="Slide Image Placeholder 1"/>
+          <p:cNvSpPr>
+            <a:spLocks noGrp="1" noRot="1" noChangeAspect="1"/>
+          </p:cNvSpPr>
+          <p:nvPr>
+            <p:ph type="sldImg"/>
+          </p:nvPr>
+        </p:nvSpPr>
+        <p:spPr/>
+      </p:sp>
+      <p:sp>
+        <p:nvSpPr>
+          <p:cNvPr id="3" name="Notes Placeholder 2"/>
+          <p:cNvSpPr>
+            <a:spLocks noGrp="1"/>
+          </p:cNvSpPr>
+          <p:nvPr>
+            <p:ph type="body" idx="1"/>
+          </p:nvPr>
+        </p:nvSpPr>
+        <p:spPr/>
+        <p:txBody>
+          <a:bodyPr/>
+          <a:lstStyle/>
+          <a:p>
+            <a:endParaRPr lang="en-US">
+              <a:cs typeface="Calibri"/>
+            </a:endParaRPr>
+          </a:p>
+        </p:txBody>
+      </p:sp>
+      <p:sp>
+        <p:nvSpPr>
+          <p:cNvPr id="4" name="Slide Number Placeholder 3"/>
+          <p:cNvSpPr>
+            <a:spLocks noGrp="1"/>
+          </p:cNvSpPr>
+          <p:nvPr>
+            <p:ph type="sldNum" sz="quarter" idx="5"/>
+          </p:nvPr>
+        </p:nvSpPr>
+        <p:spPr/>
+        <p:txBody>
+          <a:bodyPr/>
+          <a:lstStyle/>
+          <a:p>
+            <a:fld id="{CF3F399D-19ED-442C-990F-0BC174DC3918}" type="slidenum">
+              <a:rPr lang="en-US" smtClean="0"/>
+              <a:t>5</a:t>
+            </a:fld>
+            <a:endParaRPr lang="en-US"/>
+          </a:p>
+        </p:txBody>
+      </p:sp>
+    </p:spTree>
+    <p:extLst>
+      <p:ext uri="{BB962C8B-B14F-4D97-AF65-F5344CB8AC3E}">
+        <p14:creationId xmlns:p14="http://schemas.microsoft.com/office/powerpoint/2010/main" val="2159340734"/>
+      </p:ext>
+    </p:extLst>
+  </p:cSld>
+  <p:clrMapOvr>
+    <a:masterClrMapping/>
+  </p:clrMapOvr>
+</p:notes>
+</file>
+
+<file path=ppt/notesSlides/notesSlide4.xml><?xml version="1.0" encoding="utf-8"?>
+<p:notes xmlns:a="http://schemas.openxmlformats.org/drawingml/2006/main" xmlns:r="http://schemas.openxmlformats.org/officeDocument/2006/relationships" xmlns:p="http://schemas.openxmlformats.org/presentationml/2006/main">
+  <p:cSld>
+    <p:spTree>
+      <p:nvGrpSpPr>
+        <p:cNvPr id="1" name=""/>
+        <p:cNvGrpSpPr/>
+        <p:nvPr/>
+      </p:nvGrpSpPr>
+      <p:grpSpPr>
+        <a:xfrm>
+          <a:off x="0" y="0"/>
+          <a:ext cx="0" cy="0"/>
+          <a:chOff x="0" y="0"/>
+          <a:chExt cx="0" cy="0"/>
+        </a:xfrm>
+      </p:grpSpPr>
+      <p:sp>
+        <p:nvSpPr>
+          <p:cNvPr id="2" name="Slide Image Placeholder 1"/>
+          <p:cNvSpPr>
+            <a:spLocks noGrp="1" noRot="1" noChangeAspect="1"/>
+          </p:cNvSpPr>
+          <p:nvPr>
+            <p:ph type="sldImg"/>
+          </p:nvPr>
+        </p:nvSpPr>
+        <p:spPr/>
+      </p:sp>
+      <p:sp>
+        <p:nvSpPr>
+          <p:cNvPr id="3" name="Notes Placeholder 2"/>
+          <p:cNvSpPr>
+            <a:spLocks noGrp="1"/>
+          </p:cNvSpPr>
+          <p:nvPr>
+            <p:ph type="body" idx="1"/>
+          </p:nvPr>
+        </p:nvSpPr>
+        <p:spPr/>
+        <p:txBody>
+          <a:bodyPr/>
+          <a:lstStyle/>
+          <a:p>
+            <a:endParaRPr lang="en-US">
+              <a:cs typeface="Calibri"/>
+            </a:endParaRPr>
+          </a:p>
+        </p:txBody>
+      </p:sp>
+      <p:sp>
+        <p:nvSpPr>
+          <p:cNvPr id="4" name="Slide Number Placeholder 3"/>
+          <p:cNvSpPr>
+            <a:spLocks noGrp="1"/>
+          </p:cNvSpPr>
+          <p:nvPr>
+            <p:ph type="sldNum" sz="quarter" idx="5"/>
+          </p:nvPr>
+        </p:nvSpPr>
+        <p:spPr/>
+        <p:txBody>
+          <a:bodyPr/>
+          <a:lstStyle/>
+          <a:p>
+            <a:fld id="{CF3F399D-19ED-442C-990F-0BC174DC3918}" type="slidenum">
+              <a:rPr lang="en-US" smtClean="0"/>
+              <a:t>6</a:t>
+            </a:fld>
+            <a:endParaRPr lang="en-US"/>
+          </a:p>
+        </p:txBody>
+      </p:sp>
+    </p:spTree>
+    <p:extLst>
+      <p:ext uri="{BB962C8B-B14F-4D97-AF65-F5344CB8AC3E}">
+        <p14:creationId xmlns:p14="http://schemas.microsoft.com/office/powerpoint/2010/main" val="2656255080"/>
+      </p:ext>
+    </p:extLst>
+  </p:cSld>
+  <p:clrMapOvr>
+    <a:masterClrMapping/>
+  </p:clrMapOvr>
+</p:notes>
+</file>
+
 <file path=ppt/slideLayouts/slideLayout1.xml><?xml version="1.0" encoding="utf-8"?>
 <p:sldLayout xmlns:a="http://schemas.openxmlformats.org/drawingml/2006/main" xmlns:r="http://schemas.openxmlformats.org/officeDocument/2006/relationships" xmlns:p="http://schemas.openxmlformats.org/presentationml/2006/main" preserve="1" userDrawn="1">
   <p:cSld name="Title Slide">
@@ -736,7 +1206,7 @@
               <a:defRPr/>
             </a:pPr>
             <a:r>
-              <a:rPr lang="en-US" sz="6000" dirty="0">
+              <a:rPr lang="en-US" sz="6000">
                 <a:latin typeface="Arial"/>
                 <a:cs typeface="Arial"/>
               </a:rPr>
@@ -811,7 +1281,7 @@
           </a:lstStyle>
           <a:p>
             <a:r>
-              <a:rPr lang="en-US" sz="2400" dirty="0">
+              <a:rPr lang="en-US" sz="2400">
                 <a:latin typeface="Arial"/>
                 <a:cs typeface="Arial"/>
               </a:rPr>
@@ -1013,7 +1483,7 @@
           </a:lstStyle>
           <a:p>
             <a:r>
-              <a:rPr lang="en-US" sz="1900" dirty="0">
+              <a:rPr lang="en-US" sz="1900">
                 <a:latin typeface="Oswald" panose="00000500000000000000" pitchFamily="2" charset="0"/>
                 <a:cs typeface="Arial"/>
               </a:rPr>
@@ -1022,7 +1492,7 @@
           </a:p>
           <a:p>
             <a:r>
-              <a:rPr lang="en-US" sz="1900" dirty="0">
+              <a:rPr lang="en-US" sz="1900">
                 <a:latin typeface="Oswald" panose="00000500000000000000" pitchFamily="2" charset="0"/>
                 <a:cs typeface="Arial"/>
               </a:rPr>
@@ -1031,7 +1501,7 @@
           </a:p>
           <a:p>
             <a:r>
-              <a:rPr lang="en-US" sz="1900" dirty="0">
+              <a:rPr lang="en-US" sz="1900">
                 <a:latin typeface="Oswald" panose="00000500000000000000" pitchFamily="2" charset="0"/>
                 <a:cs typeface="Arial"/>
               </a:rPr>
@@ -1039,7 +1509,7 @@
             </a:r>
           </a:p>
           <a:p>
-            <a:endParaRPr lang="en-US" dirty="0">
+            <a:endParaRPr lang="en-US">
               <a:latin typeface="Arial"/>
               <a:cs typeface="Arial"/>
             </a:endParaRPr>
@@ -1285,7 +1755,7 @@
           <a:p>
             <a:fld id="{868FC541-738A-4187-A36B-3BAC62E2381F}" type="datetime1">
               <a:rPr lang="en-US" smtClean="0"/>
-              <a:t>9/25/2023</a:t>
+              <a:t>10/11/2023</a:t>
             </a:fld>
             <a:endParaRPr lang="en-US"/>
           </a:p>
@@ -1496,7 +1966,7 @@
           <a:p>
             <a:fld id="{46150D09-03C5-4C78-B258-F77038A3D7B3}" type="datetime1">
               <a:rPr lang="en-US" smtClean="0"/>
-              <a:t>9/25/2023</a:t>
+              <a:t>10/11/2023</a:t>
             </a:fld>
             <a:endParaRPr lang="en-US"/>
           </a:p>
@@ -1700,7 +2170,7 @@
           </a:lstStyle>
           <a:p>
             <a:r>
-              <a:rPr lang="en-US" dirty="0"/>
+              <a:rPr lang="en-US"/>
               <a:t>Click to edit Master title style</a:t>
             </a:r>
           </a:p>
@@ -1839,7 +2309,7 @@
             <a:fld id="{858D4E80-38C4-4628-9E88-1CB6FE1A2243}" type="datetime1">
               <a:rPr lang="en-US" smtClean="0"/>
               <a:pPr/>
-              <a:t>9/25/2023</a:t>
+              <a:t>10/11/2023</a:t>
             </a:fld>
             <a:endParaRPr lang="en-US"/>
           </a:p>
@@ -2212,7 +2682,7 @@
           <a:p>
             <a:fld id="{4C6C016A-9C3D-44D0-A429-9E25C36D8BE4}" type="datetime1">
               <a:rPr lang="en-US" smtClean="0"/>
-              <a:t>9/25/2023</a:t>
+              <a:t>10/11/2023</a:t>
             </a:fld>
             <a:endParaRPr lang="en-US"/>
           </a:p>
@@ -2409,7 +2879,7 @@
           <a:lstStyle/>
           <a:p>
             <a:r>
-              <a:rPr lang="en-US" dirty="0"/>
+              <a:rPr lang="en-US"/>
               <a:t>Click to edit Master title style</a:t>
             </a:r>
           </a:p>
@@ -2443,35 +2913,35 @@
           <a:p>
             <a:pPr lvl="0"/>
             <a:r>
-              <a:rPr lang="en-US" dirty="0"/>
+              <a:rPr lang="en-US"/>
               <a:t>Click to edit Master text styles</a:t>
             </a:r>
           </a:p>
           <a:p>
             <a:pPr lvl="1"/>
             <a:r>
-              <a:rPr lang="en-US" dirty="0"/>
+              <a:rPr lang="en-US"/>
               <a:t>Second level</a:t>
             </a:r>
           </a:p>
           <a:p>
             <a:pPr lvl="2"/>
             <a:r>
-              <a:rPr lang="en-US" dirty="0"/>
+              <a:rPr lang="en-US"/>
               <a:t>Third level</a:t>
             </a:r>
           </a:p>
           <a:p>
             <a:pPr lvl="3"/>
             <a:r>
-              <a:rPr lang="en-US" dirty="0"/>
+              <a:rPr lang="en-US"/>
               <a:t>Fourth level</a:t>
             </a:r>
           </a:p>
           <a:p>
             <a:pPr lvl="4"/>
             <a:r>
-              <a:rPr lang="en-US" dirty="0"/>
+              <a:rPr lang="en-US"/>
               <a:t>Fifth level</a:t>
             </a:r>
           </a:p>
@@ -2562,7 +3032,7 @@
           <a:p>
             <a:fld id="{30F74929-319B-493D-9F8F-3992F0516A2B}" type="datetime1">
               <a:rPr lang="en-US" smtClean="0"/>
-              <a:t>9/25/2023</a:t>
+              <a:t>10/11/2023</a:t>
             </a:fld>
             <a:endParaRPr lang="en-US"/>
           </a:p>
@@ -3059,7 +3529,7 @@
           <a:p>
             <a:fld id="{589F5763-6359-4A8A-8AC6-26ACC9359EB9}" type="datetime1">
               <a:rPr lang="en-US" smtClean="0"/>
-              <a:t>9/25/2023</a:t>
+              <a:t>10/11/2023</a:t>
             </a:fld>
             <a:endParaRPr lang="en-US"/>
           </a:p>
@@ -3285,7 +3755,7 @@
           <a:p>
             <a:fld id="{B4AD520D-53FD-4427-99C0-F08AFA0D04FD}" type="datetime1">
               <a:rPr lang="en-US" smtClean="0"/>
-              <a:t>9/25/2023</a:t>
+              <a:t>10/11/2023</a:t>
             </a:fld>
             <a:endParaRPr lang="en-US"/>
           </a:p>
@@ -3483,7 +3953,7 @@
           <a:p>
             <a:fld id="{37962310-D6EB-48A1-860C-974AF6FEC77B}" type="datetime1">
               <a:rPr lang="en-US" smtClean="0"/>
-              <a:t>9/25/2023</a:t>
+              <a:t>10/11/2023</a:t>
             </a:fld>
             <a:endParaRPr lang="en-US"/>
           </a:p>
@@ -3879,7 +4349,7 @@
           <a:p>
             <a:fld id="{A7B10728-B386-41B2-8E86-7E9CB5BB40EB}" type="datetime1">
               <a:rPr lang="en-US" smtClean="0"/>
-              <a:t>9/25/2023</a:t>
+              <a:t>10/11/2023</a:t>
             </a:fld>
             <a:endParaRPr lang="en-US"/>
           </a:p>
@@ -4252,7 +4722,7 @@
           <a:p>
             <a:fld id="{ECFE876A-A667-470A-9990-F4500491215F}" type="datetime1">
               <a:rPr lang="en-US" smtClean="0"/>
-              <a:t>9/25/2023</a:t>
+              <a:t>10/11/2023</a:t>
             </a:fld>
             <a:endParaRPr lang="en-US"/>
           </a:p>
@@ -4382,7 +4852,7 @@
           <a:lstStyle/>
           <a:p>
             <a:r>
-              <a:rPr lang="en-US" dirty="0"/>
+              <a:rPr lang="en-US"/>
               <a:t>Click to edit Master title style</a:t>
             </a:r>
           </a:p>
@@ -4421,35 +4891,35 @@
           <a:p>
             <a:pPr lvl="0"/>
             <a:r>
-              <a:rPr lang="en-US" dirty="0"/>
+              <a:rPr lang="en-US"/>
               <a:t>Click to edit Master text styles</a:t>
             </a:r>
           </a:p>
           <a:p>
             <a:pPr lvl="1"/>
             <a:r>
-              <a:rPr lang="en-US" dirty="0"/>
+              <a:rPr lang="en-US"/>
               <a:t>Second level</a:t>
             </a:r>
           </a:p>
           <a:p>
             <a:pPr lvl="2"/>
             <a:r>
-              <a:rPr lang="en-US" dirty="0"/>
+              <a:rPr lang="en-US"/>
               <a:t>Third level</a:t>
             </a:r>
           </a:p>
           <a:p>
             <a:pPr lvl="3"/>
             <a:r>
-              <a:rPr lang="en-US" dirty="0"/>
+              <a:rPr lang="en-US"/>
               <a:t>Fourth level</a:t>
             </a:r>
           </a:p>
           <a:p>
             <a:pPr lvl="4"/>
             <a:r>
-              <a:rPr lang="en-US" dirty="0"/>
+              <a:rPr lang="en-US"/>
               <a:t>Fifth level</a:t>
             </a:r>
           </a:p>
@@ -4499,7 +4969,7 @@
             <a:fld id="{7CCBE494-C4A9-4400-B2E0-426AC2E52739}" type="datetime1">
               <a:rPr lang="en-US" smtClean="0"/>
               <a:pPr/>
-              <a:t>9/25/2023</a:t>
+              <a:t>10/11/2023</a:t>
             </a:fld>
             <a:endParaRPr lang="en-US"/>
           </a:p>
@@ -5730,7 +6200,7 @@
           <a:lstStyle/>
           <a:p>
             <a:r>
-              <a:rPr lang="en-US" dirty="0"/>
+              <a:rPr lang="en-US"/>
               <a:t>Eagle Eye</a:t>
             </a:r>
           </a:p>
@@ -5752,16 +6222,227 @@
             <p:ph type="subTitle" idx="1"/>
           </p:nvPr>
         </p:nvSpPr>
-        <p:spPr/>
+        <p:spPr>
+          <a:xfrm>
+            <a:off x="489803" y="3608363"/>
+            <a:ext cx="4832132" cy="484932"/>
+          </a:xfrm>
+        </p:spPr>
+        <p:txBody>
+          <a:bodyPr vert="horz" lIns="91440" tIns="45720" rIns="91440" bIns="45720" rtlCol="0" anchor="t">
+            <a:noAutofit/>
+          </a:bodyPr>
+          <a:lstStyle/>
+          <a:p>
+            <a:r>
+              <a:rPr lang="en-US" sz="3200">
+                <a:latin typeface="Oswald SemiBold"/>
+                <a:cs typeface="Arial"/>
+              </a:rPr>
+              <a:t>Air Traffic </a:t>
+            </a:r>
+            <a:endParaRPr lang="en-US" sz="3200"/>
+          </a:p>
+        </p:txBody>
+      </p:sp>
+      <p:sp>
+        <p:nvSpPr>
+          <p:cNvPr id="5" name="Subtitle 2">
+            <a:extLst>
+              <a:ext uri="{FF2B5EF4-FFF2-40B4-BE49-F238E27FC236}">
+                <a16:creationId xmlns:a16="http://schemas.microsoft.com/office/drawing/2014/main" id="{57622863-0080-24EE-4038-4E3DF6B7AD92}"/>
+              </a:ext>
+            </a:extLst>
+          </p:cNvPr>
+          <p:cNvSpPr txBox="1">
+            <a:spLocks/>
+          </p:cNvSpPr>
+          <p:nvPr/>
+        </p:nvSpPr>
+        <p:spPr>
+          <a:xfrm>
+            <a:off x="487989" y="4150835"/>
+            <a:ext cx="4832132" cy="484932"/>
+          </a:xfrm>
+          <a:prstGeom prst="rect">
+            <a:avLst/>
+          </a:prstGeom>
+        </p:spPr>
         <p:txBody>
           <a:bodyPr vert="horz" lIns="91440" tIns="45720" rIns="91440" bIns="45720" rtlCol="0" anchor="t">
             <a:normAutofit/>
           </a:bodyPr>
-          <a:lstStyle/>
-          <a:p>
-            <a:r>
-              <a:rPr lang="en-US" dirty="0"/>
-              <a:t>FAA – AIR TRAFFIC – Blake Bradford</a:t>
+          <a:lstStyle>
+            <a:lvl1pPr marL="0" indent="0" algn="l" defTabSz="914400" rtl="0" eaLnBrk="1" latinLnBrk="0" hangingPunct="1">
+              <a:lnSpc>
+                <a:spcPct val="90000"/>
+              </a:lnSpc>
+              <a:spcBef>
+                <a:spcPts val="1000"/>
+              </a:spcBef>
+              <a:buFont typeface="Arial" panose="020B0604020202020204" pitchFamily="34" charset="0"/>
+              <a:buNone/>
+              <a:defRPr sz="2400" b="0" kern="1200">
+                <a:solidFill>
+                  <a:schemeClr val="tx1"/>
+                </a:solidFill>
+                <a:latin typeface="Oswald SemiBold" panose="00000700000000000000" pitchFamily="2" charset="0"/>
+                <a:ea typeface="+mn-ea"/>
+                <a:cs typeface="Arial" panose="020B0604020202020204" pitchFamily="34" charset="0"/>
+              </a:defRPr>
+            </a:lvl1pPr>
+            <a:lvl2pPr marL="457200" indent="0" algn="ctr" defTabSz="914400" rtl="0" eaLnBrk="1" latinLnBrk="0" hangingPunct="1">
+              <a:lnSpc>
+                <a:spcPct val="90000"/>
+              </a:lnSpc>
+              <a:spcBef>
+                <a:spcPts val="500"/>
+              </a:spcBef>
+              <a:buFont typeface="Arial" panose="020B0604020202020204" pitchFamily="34" charset="0"/>
+              <a:buNone/>
+              <a:defRPr sz="2000" b="0" kern="1200">
+                <a:solidFill>
+                  <a:schemeClr val="tx1"/>
+                </a:solidFill>
+                <a:latin typeface="Oswald" panose="00000500000000000000" pitchFamily="2" charset="0"/>
+                <a:ea typeface="+mn-ea"/>
+                <a:cs typeface="Arial" panose="020B0604020202020204" pitchFamily="34" charset="0"/>
+              </a:defRPr>
+            </a:lvl2pPr>
+            <a:lvl3pPr marL="914400" indent="0" algn="ctr" defTabSz="914400" rtl="0" eaLnBrk="1" latinLnBrk="0" hangingPunct="1">
+              <a:lnSpc>
+                <a:spcPct val="90000"/>
+              </a:lnSpc>
+              <a:spcBef>
+                <a:spcPts val="500"/>
+              </a:spcBef>
+              <a:buFont typeface="Arial" panose="020B0604020202020204" pitchFamily="34" charset="0"/>
+              <a:buNone/>
+              <a:defRPr sz="1800" b="0" kern="1200">
+                <a:solidFill>
+                  <a:schemeClr val="tx1"/>
+                </a:solidFill>
+                <a:latin typeface="Oswald" panose="00000500000000000000" pitchFamily="2" charset="0"/>
+                <a:ea typeface="+mn-ea"/>
+                <a:cs typeface="Arial" panose="020B0604020202020204" pitchFamily="34" charset="0"/>
+              </a:defRPr>
+            </a:lvl3pPr>
+            <a:lvl4pPr marL="1371600" indent="0" algn="ctr" defTabSz="914400" rtl="0" eaLnBrk="1" latinLnBrk="0" hangingPunct="1">
+              <a:lnSpc>
+                <a:spcPct val="90000"/>
+              </a:lnSpc>
+              <a:spcBef>
+                <a:spcPts val="500"/>
+              </a:spcBef>
+              <a:buFont typeface="Arial" panose="020B0604020202020204" pitchFamily="34" charset="0"/>
+              <a:buNone/>
+              <a:defRPr sz="1600" b="0" kern="1200">
+                <a:solidFill>
+                  <a:schemeClr val="tx1"/>
+                </a:solidFill>
+                <a:latin typeface="Oswald" panose="00000500000000000000" pitchFamily="2" charset="0"/>
+                <a:ea typeface="+mn-ea"/>
+                <a:cs typeface="Arial" panose="020B0604020202020204" pitchFamily="34" charset="0"/>
+              </a:defRPr>
+            </a:lvl4pPr>
+            <a:lvl5pPr marL="1828800" indent="0" algn="ctr" defTabSz="914400" rtl="0" eaLnBrk="1" latinLnBrk="0" hangingPunct="1">
+              <a:lnSpc>
+                <a:spcPct val="90000"/>
+              </a:lnSpc>
+              <a:spcBef>
+                <a:spcPts val="500"/>
+              </a:spcBef>
+              <a:buFont typeface="Arial" panose="020B0604020202020204" pitchFamily="34" charset="0"/>
+              <a:buNone/>
+              <a:defRPr sz="1600" b="0" kern="1200">
+                <a:solidFill>
+                  <a:schemeClr val="tx1"/>
+                </a:solidFill>
+                <a:latin typeface="Oswald" panose="00000500000000000000" pitchFamily="2" charset="0"/>
+                <a:ea typeface="+mn-ea"/>
+                <a:cs typeface="Arial" panose="020B0604020202020204" pitchFamily="34" charset="0"/>
+              </a:defRPr>
+            </a:lvl5pPr>
+            <a:lvl6pPr marL="2286000" indent="0" algn="ctr" defTabSz="914400" rtl="0" eaLnBrk="1" latinLnBrk="0" hangingPunct="1">
+              <a:lnSpc>
+                <a:spcPct val="90000"/>
+              </a:lnSpc>
+              <a:spcBef>
+                <a:spcPts val="500"/>
+              </a:spcBef>
+              <a:buFont typeface="Arial" panose="020B0604020202020204" pitchFamily="34" charset="0"/>
+              <a:buNone/>
+              <a:defRPr sz="1600" kern="1200">
+                <a:solidFill>
+                  <a:schemeClr val="tx1"/>
+                </a:solidFill>
+                <a:latin typeface="+mn-lt"/>
+                <a:ea typeface="+mn-ea"/>
+                <a:cs typeface="+mn-cs"/>
+              </a:defRPr>
+            </a:lvl6pPr>
+            <a:lvl7pPr marL="2743200" indent="0" algn="ctr" defTabSz="914400" rtl="0" eaLnBrk="1" latinLnBrk="0" hangingPunct="1">
+              <a:lnSpc>
+                <a:spcPct val="90000"/>
+              </a:lnSpc>
+              <a:spcBef>
+                <a:spcPts val="500"/>
+              </a:spcBef>
+              <a:buFont typeface="Arial" panose="020B0604020202020204" pitchFamily="34" charset="0"/>
+              <a:buNone/>
+              <a:defRPr sz="1600" kern="1200">
+                <a:solidFill>
+                  <a:schemeClr val="tx1"/>
+                </a:solidFill>
+                <a:latin typeface="+mn-lt"/>
+                <a:ea typeface="+mn-ea"/>
+                <a:cs typeface="+mn-cs"/>
+              </a:defRPr>
+            </a:lvl7pPr>
+            <a:lvl8pPr marL="3200400" indent="0" algn="ctr" defTabSz="914400" rtl="0" eaLnBrk="1" latinLnBrk="0" hangingPunct="1">
+              <a:lnSpc>
+                <a:spcPct val="90000"/>
+              </a:lnSpc>
+              <a:spcBef>
+                <a:spcPts val="500"/>
+              </a:spcBef>
+              <a:buFont typeface="Arial" panose="020B0604020202020204" pitchFamily="34" charset="0"/>
+              <a:buNone/>
+              <a:defRPr sz="1600" kern="1200">
+                <a:solidFill>
+                  <a:schemeClr val="tx1"/>
+                </a:solidFill>
+                <a:latin typeface="+mn-lt"/>
+                <a:ea typeface="+mn-ea"/>
+                <a:cs typeface="+mn-cs"/>
+              </a:defRPr>
+            </a:lvl8pPr>
+            <a:lvl9pPr marL="3657600" indent="0" algn="ctr" defTabSz="914400" rtl="0" eaLnBrk="1" latinLnBrk="0" hangingPunct="1">
+              <a:lnSpc>
+                <a:spcPct val="90000"/>
+              </a:lnSpc>
+              <a:spcBef>
+                <a:spcPts val="500"/>
+              </a:spcBef>
+              <a:buFont typeface="Arial" panose="020B0604020202020204" pitchFamily="34" charset="0"/>
+              <a:buNone/>
+              <a:defRPr sz="1600" kern="1200">
+                <a:solidFill>
+                  <a:schemeClr val="tx1"/>
+                </a:solidFill>
+                <a:latin typeface="+mn-lt"/>
+                <a:ea typeface="+mn-ea"/>
+                <a:cs typeface="+mn-cs"/>
+              </a:defRPr>
+            </a:lvl9pPr>
+          </a:lstStyle>
+          <a:p>
+            <a:r>
+              <a:rPr lang="en-US" sz="1800">
+                <a:latin typeface="Oswald SemiBold"/>
+                <a:cs typeface="Arial"/>
+              </a:rPr>
+              <a:t>By Blake Bradford, FAA </a:t>
             </a:r>
           </a:p>
         </p:txBody>
@@ -5801,296 +6482,6 @@
           <p:cNvPr id="2" name="Title 1">
             <a:extLst>
               <a:ext uri="{FF2B5EF4-FFF2-40B4-BE49-F238E27FC236}">
-                <a16:creationId xmlns:a16="http://schemas.microsoft.com/office/drawing/2014/main" id="{22BBEA4A-615D-C180-7996-9301332CCE2A}"/>
-              </a:ext>
-            </a:extLst>
-          </p:cNvPr>
-          <p:cNvSpPr>
-            <a:spLocks noGrp="1"/>
-          </p:cNvSpPr>
-          <p:nvPr>
-            <p:ph type="title"/>
-          </p:nvPr>
-        </p:nvSpPr>
-        <p:spPr/>
-        <p:txBody>
-          <a:bodyPr/>
-          <a:lstStyle/>
-          <a:p>
-            <a:r>
-              <a:rPr lang="en-US"/>
-              <a:t>Resources (optional)</a:t>
-            </a:r>
-          </a:p>
-        </p:txBody>
-      </p:sp>
-      <p:sp>
-        <p:nvSpPr>
-          <p:cNvPr id="3" name="Content Placeholder 2">
-            <a:extLst>
-              <a:ext uri="{FF2B5EF4-FFF2-40B4-BE49-F238E27FC236}">
-                <a16:creationId xmlns:a16="http://schemas.microsoft.com/office/drawing/2014/main" id="{2043833F-1DF7-B6F8-D54D-0048B050ECC4}"/>
-              </a:ext>
-            </a:extLst>
-          </p:cNvPr>
-          <p:cNvSpPr>
-            <a:spLocks noGrp="1"/>
-          </p:cNvSpPr>
-          <p:nvPr>
-            <p:ph idx="1"/>
-          </p:nvPr>
-        </p:nvSpPr>
-        <p:spPr/>
-        <p:txBody>
-          <a:bodyPr>
-            <a:normAutofit fontScale="70000" lnSpcReduction="20000"/>
-          </a:bodyPr>
-          <a:lstStyle/>
-          <a:p>
-            <a:r>
-              <a:rPr lang="en-US" dirty="0">
-                <a:hlinkClick r:id="rId2"/>
-              </a:rPr>
-              <a:t>(168) Power Platform: Advanced Learning Workshop on Solution Architecture </a:t>
-            </a:r>
-            <a:r>
-              <a:rPr lang="en-US" dirty="0">
-                <a:hlinkClick r:id="rId3"/>
-              </a:rPr>
-              <a:t>–</a:t>
-            </a:r>
-            <a:r>
-              <a:rPr lang="en-US" dirty="0">
-                <a:hlinkClick r:id="rId2"/>
-              </a:rPr>
-              <a:t> YouTube</a:t>
-            </a:r>
-            <a:endParaRPr lang="en-US" dirty="0"/>
-          </a:p>
-          <a:p>
-            <a:r>
-              <a:rPr lang="en-US" dirty="0" err="1">
-                <a:hlinkClick r:id="rId4"/>
-              </a:rPr>
-              <a:t>blakeZTL</a:t>
-            </a:r>
-            <a:r>
-              <a:rPr lang="en-US" dirty="0">
-                <a:hlinkClick r:id="rId4"/>
-              </a:rPr>
-              <a:t>/DOT-</a:t>
-            </a:r>
-            <a:r>
-              <a:rPr lang="en-US" dirty="0" err="1">
-                <a:hlinkClick r:id="rId4"/>
-              </a:rPr>
-              <a:t>PowerPlatformDay</a:t>
-            </a:r>
-            <a:r>
-              <a:rPr lang="en-US" dirty="0">
-                <a:hlinkClick r:id="rId4"/>
-              </a:rPr>
-              <a:t>: A repository for resources regarding the presentation (github.com)</a:t>
-            </a:r>
-            <a:endParaRPr lang="en-US" dirty="0">
-              <a:hlinkClick r:id="rId3"/>
-            </a:endParaRPr>
-          </a:p>
-          <a:p>
-            <a:r>
-              <a:rPr lang="en-US" dirty="0">
-                <a:hlinkClick r:id="rId3"/>
-              </a:rPr>
-              <a:t>Tutorial: Write and register a plug-in (Microsoft Dataverse) - Power Apps | Microsoft Learn</a:t>
-            </a:r>
-            <a:endParaRPr lang="en-US" dirty="0"/>
-          </a:p>
-          <a:p>
-            <a:r>
-              <a:rPr lang="en-US" dirty="0">
-                <a:hlinkClick r:id="rId5"/>
-              </a:rPr>
-              <a:t>Create and build a code component - Power Apps | Microsoft Learn</a:t>
-            </a:r>
-            <a:endParaRPr lang="en-US" dirty="0"/>
-          </a:p>
-          <a:p>
-            <a:r>
-              <a:rPr lang="en-US" dirty="0">
-                <a:hlinkClick r:id="rId6"/>
-              </a:rPr>
-              <a:t>Create and use dataflows in Microsoft Power Platform - Power Query | Microsoft Learn</a:t>
-            </a:r>
-            <a:endParaRPr lang="en-US" dirty="0"/>
-          </a:p>
-          <a:p>
-            <a:r>
-              <a:rPr lang="en-US" dirty="0">
-                <a:hlinkClick r:id="rId7"/>
-              </a:rPr>
-              <a:t>Create and use custom APIs (Microsoft Dataverse) - Power Apps | Microsoft Learn</a:t>
-            </a:r>
-            <a:endParaRPr lang="en-US" dirty="0"/>
-          </a:p>
-          <a:p>
-            <a:r>
-              <a:rPr lang="en-US" dirty="0">
-                <a:hlinkClick r:id="rId8"/>
-              </a:rPr>
-              <a:t>Create a custom connector from scratch | Microsoft Learn</a:t>
-            </a:r>
-            <a:endParaRPr lang="en-US" dirty="0"/>
-          </a:p>
-          <a:p>
-            <a:r>
-              <a:rPr lang="en-US" dirty="0">
-                <a:hlinkClick r:id="rId9"/>
-              </a:rPr>
-              <a:t>Use the Microsoft Dataverse Web API (Dataverse) - Power Apps | Microsoft Learn</a:t>
-            </a:r>
-            <a:endParaRPr lang="en-US" dirty="0"/>
-          </a:p>
-          <a:p>
-            <a:r>
-              <a:rPr lang="en-US" dirty="0">
-                <a:hlinkClick r:id="rId10"/>
-              </a:rPr>
-              <a:t>Get to know the SharePoint REST service | Microsoft Learn</a:t>
-            </a:r>
-            <a:endParaRPr lang="en-US" dirty="0"/>
-          </a:p>
-          <a:p>
-            <a:r>
-              <a:rPr lang="en-US" dirty="0">
-                <a:hlinkClick r:id="rId11"/>
-              </a:rPr>
-              <a:t>Solutions in Power Apps - Power Apps | Microsoft Learn</a:t>
-            </a:r>
-            <a:endParaRPr lang="en-US" dirty="0"/>
-          </a:p>
-        </p:txBody>
-      </p:sp>
-      <p:sp>
-        <p:nvSpPr>
-          <p:cNvPr id="4" name="Date Placeholder 3">
-            <a:extLst>
-              <a:ext uri="{FF2B5EF4-FFF2-40B4-BE49-F238E27FC236}">
-                <a16:creationId xmlns:a16="http://schemas.microsoft.com/office/drawing/2014/main" id="{F14BEB73-6900-9EF7-6ADA-4C11DD3847DD}"/>
-              </a:ext>
-            </a:extLst>
-          </p:cNvPr>
-          <p:cNvSpPr>
-            <a:spLocks noGrp="1"/>
-          </p:cNvSpPr>
-          <p:nvPr>
-            <p:ph type="dt" sz="half" idx="10"/>
-          </p:nvPr>
-        </p:nvSpPr>
-        <p:spPr/>
-        <p:txBody>
-          <a:bodyPr/>
-          <a:lstStyle/>
-          <a:p>
-            <a:fld id="{858D4E80-38C4-4628-9E88-1CB6FE1A2243}" type="datetime1">
-              <a:rPr lang="en-US" smtClean="0"/>
-              <a:t>9/25/2023</a:t>
-            </a:fld>
-            <a:endParaRPr lang="en-US"/>
-          </a:p>
-        </p:txBody>
-      </p:sp>
-      <p:sp>
-        <p:nvSpPr>
-          <p:cNvPr id="5" name="Footer Placeholder 4">
-            <a:extLst>
-              <a:ext uri="{FF2B5EF4-FFF2-40B4-BE49-F238E27FC236}">
-                <a16:creationId xmlns:a16="http://schemas.microsoft.com/office/drawing/2014/main" id="{FC0320C1-8614-96E3-D4D5-214176DF64DD}"/>
-              </a:ext>
-            </a:extLst>
-          </p:cNvPr>
-          <p:cNvSpPr>
-            <a:spLocks noGrp="1"/>
-          </p:cNvSpPr>
-          <p:nvPr>
-            <p:ph type="ftr" sz="quarter" idx="11"/>
-          </p:nvPr>
-        </p:nvSpPr>
-        <p:spPr/>
-        <p:txBody>
-          <a:bodyPr/>
-          <a:lstStyle/>
-          <a:p>
-            <a:r>
-              <a:rPr lang="en-US"/>
-              <a:t>DOT Power Platform Day</a:t>
-            </a:r>
-          </a:p>
-        </p:txBody>
-      </p:sp>
-      <p:sp>
-        <p:nvSpPr>
-          <p:cNvPr id="6" name="Slide Number Placeholder 5">
-            <a:extLst>
-              <a:ext uri="{FF2B5EF4-FFF2-40B4-BE49-F238E27FC236}">
-                <a16:creationId xmlns:a16="http://schemas.microsoft.com/office/drawing/2014/main" id="{AB62EBDA-D53E-37D0-CE46-6D43791E8C2E}"/>
-              </a:ext>
-            </a:extLst>
-          </p:cNvPr>
-          <p:cNvSpPr>
-            <a:spLocks noGrp="1"/>
-          </p:cNvSpPr>
-          <p:nvPr>
-            <p:ph type="sldNum" sz="quarter" idx="12"/>
-          </p:nvPr>
-        </p:nvSpPr>
-        <p:spPr/>
-        <p:txBody>
-          <a:bodyPr/>
-          <a:lstStyle/>
-          <a:p>
-            <a:fld id="{D512FE28-C787-490D-AA43-41AD85150926}" type="slidenum">
-              <a:rPr lang="en-US" smtClean="0"/>
-              <a:t>10</a:t>
-            </a:fld>
-            <a:endParaRPr lang="en-US"/>
-          </a:p>
-        </p:txBody>
-      </p:sp>
-    </p:spTree>
-    <p:extLst>
-      <p:ext uri="{BB962C8B-B14F-4D97-AF65-F5344CB8AC3E}">
-        <p14:creationId xmlns:p14="http://schemas.microsoft.com/office/powerpoint/2010/main" val="1404651703"/>
-      </p:ext>
-    </p:extLst>
-  </p:cSld>
-  <p:clrMapOvr>
-    <a:masterClrMapping/>
-  </p:clrMapOvr>
-</p:sld>
-</file>
-
-<file path=ppt/slides/slide11.xml><?xml version="1.0" encoding="utf-8"?>
-<p:sld xmlns:a="http://schemas.openxmlformats.org/drawingml/2006/main" xmlns:r="http://schemas.openxmlformats.org/officeDocument/2006/relationships" xmlns:p="http://schemas.openxmlformats.org/presentationml/2006/main">
-  <p:cSld>
-    <p:spTree>
-      <p:nvGrpSpPr>
-        <p:cNvPr id="1" name=""/>
-        <p:cNvGrpSpPr/>
-        <p:nvPr/>
-      </p:nvGrpSpPr>
-      <p:grpSpPr>
-        <a:xfrm>
-          <a:off x="0" y="0"/>
-          <a:ext cx="0" cy="0"/>
-          <a:chOff x="0" y="0"/>
-          <a:chExt cx="0" cy="0"/>
-        </a:xfrm>
-      </p:grpSpPr>
-      <p:sp>
-        <p:nvSpPr>
-          <p:cNvPr id="2" name="Title 1">
-            <a:extLst>
-              <a:ext uri="{FF2B5EF4-FFF2-40B4-BE49-F238E27FC236}">
                 <a16:creationId xmlns:a16="http://schemas.microsoft.com/office/drawing/2014/main" id="{ABD0AADC-6E37-C0EE-4C37-1C5E4622C265}"/>
               </a:ext>
             </a:extLst>
@@ -6143,13 +6534,13 @@
           <a:lstStyle/>
           <a:p>
             <a:r>
-              <a:rPr lang="en-US" dirty="0"/>
+              <a:rPr lang="en-US"/>
               <a:t>Questions?</a:t>
             </a:r>
           </a:p>
           <a:p>
             <a:r>
-              <a:rPr lang="en-US" dirty="0"/>
+              <a:rPr lang="en-US"/>
               <a:t>james.b.bradford@faa.gov</a:t>
             </a:r>
           </a:p>
@@ -6207,8 +6598,8 @@
           <a:lstStyle/>
           <a:p>
             <a:r>
-              <a:rPr lang="en-US" dirty="0"/>
-              <a:t>Background</a:t>
+              <a:rPr lang="en-US"/>
+              <a:t>Background on the Team</a:t>
             </a:r>
           </a:p>
         </p:txBody>
@@ -6227,6 +6618,88 @@
           </p:cNvSpPr>
           <p:nvPr>
             <p:ph idx="1"/>
+          </p:nvPr>
+        </p:nvSpPr>
+        <p:spPr/>
+        <p:txBody>
+          <a:bodyPr vert="horz" lIns="91440" tIns="45720" rIns="91440" bIns="45720" rtlCol="0" anchor="t">
+            <a:normAutofit/>
+          </a:bodyPr>
+          <a:lstStyle/>
+          <a:p>
+            <a:r>
+              <a:rPr lang="en-US"/>
+              <a:t>Develop full stack applications in the Power Platform</a:t>
+            </a:r>
+          </a:p>
+          <a:p>
+            <a:r>
+              <a:rPr lang="en-US"/>
+              <a:t>Team of 3 remote employees based out of FAA HQ</a:t>
+            </a:r>
+          </a:p>
+          <a:p>
+            <a:r>
+              <a:rPr lang="en-US">
+                <a:latin typeface="Oswald"/>
+                <a:cs typeface="Arial"/>
+              </a:rPr>
+              <a:t>As one of the three developers charged, my role is to unlock the full potential of what the Power Platform can do for the agency</a:t>
+            </a:r>
+          </a:p>
+          <a:p>
+            <a:pPr lvl="1"/>
+            <a:r>
+              <a:rPr lang="en-US"/>
+              <a:t>Custom Connectors</a:t>
+            </a:r>
+          </a:p>
+          <a:p>
+            <a:pPr lvl="1"/>
+            <a:r>
+              <a:rPr lang="en-US">
+                <a:latin typeface="Oswald"/>
+                <a:cs typeface="Arial"/>
+              </a:rPr>
+              <a:t>Dataverse Plugins</a:t>
+            </a:r>
+          </a:p>
+          <a:p>
+            <a:pPr lvl="1"/>
+            <a:r>
+              <a:rPr lang="en-US"/>
+              <a:t>Custom Code components</a:t>
+            </a:r>
+          </a:p>
+          <a:p>
+            <a:pPr lvl="1"/>
+            <a:r>
+              <a:rPr lang="en-US"/>
+              <a:t>More…</a:t>
+            </a:r>
+          </a:p>
+          <a:p>
+            <a:endParaRPr lang="en-US"/>
+          </a:p>
+          <a:p>
+            <a:endParaRPr lang="en-US"/>
+          </a:p>
+        </p:txBody>
+      </p:sp>
+      <p:sp>
+        <p:nvSpPr>
+          <p:cNvPr id="4" name="Date Placeholder 3">
+            <a:extLst>
+              <a:ext uri="{FF2B5EF4-FFF2-40B4-BE49-F238E27FC236}">
+                <a16:creationId xmlns:a16="http://schemas.microsoft.com/office/drawing/2014/main" id="{8C229D12-7753-6B63-5747-AA8726797119}"/>
+              </a:ext>
+            </a:extLst>
+          </p:cNvPr>
+          <p:cNvSpPr>
+            <a:spLocks noGrp="1"/>
+          </p:cNvSpPr>
+          <p:nvPr>
+            <p:ph type="dt" sz="half" idx="10"/>
           </p:nvPr>
         </p:nvSpPr>
         <p:spPr/>
@@ -6234,83 +6707,9 @@
           <a:bodyPr/>
           <a:lstStyle/>
           <a:p>
-            <a:r>
-              <a:rPr lang="en-US" dirty="0"/>
-              <a:t>Develop full stack applications in the Power Platform</a:t>
-            </a:r>
-          </a:p>
-          <a:p>
-            <a:r>
-              <a:rPr lang="en-US" dirty="0"/>
-              <a:t>Team of 3 remote employees based out of FAA HQ</a:t>
-            </a:r>
-          </a:p>
-          <a:p>
-            <a:r>
-              <a:rPr lang="en-US" dirty="0"/>
-              <a:t>My role is one of the three developers charged to unlock the full potential of what the Power Platform can do for the agency</a:t>
-            </a:r>
-          </a:p>
-          <a:p>
-            <a:pPr lvl="1"/>
-            <a:r>
-              <a:rPr lang="en-US" dirty="0"/>
-              <a:t>Custom Connectors</a:t>
-            </a:r>
-          </a:p>
-          <a:p>
-            <a:pPr lvl="1"/>
-            <a:r>
-              <a:rPr lang="en-US" dirty="0"/>
-              <a:t>C# Plugins</a:t>
-            </a:r>
-          </a:p>
-          <a:p>
-            <a:pPr lvl="1"/>
-            <a:r>
-              <a:rPr lang="en-US" dirty="0"/>
-              <a:t>Custom Code components</a:t>
-            </a:r>
-          </a:p>
-          <a:p>
-            <a:pPr lvl="1"/>
-            <a:r>
-              <a:rPr lang="en-US" dirty="0"/>
-              <a:t>More…</a:t>
-            </a:r>
-          </a:p>
-          <a:p>
-            <a:endParaRPr lang="en-US" dirty="0"/>
-          </a:p>
-          <a:p>
-            <a:endParaRPr lang="en-US" dirty="0"/>
-          </a:p>
-        </p:txBody>
-      </p:sp>
-      <p:sp>
-        <p:nvSpPr>
-          <p:cNvPr id="4" name="Date Placeholder 3">
-            <a:extLst>
-              <a:ext uri="{FF2B5EF4-FFF2-40B4-BE49-F238E27FC236}">
-                <a16:creationId xmlns:a16="http://schemas.microsoft.com/office/drawing/2014/main" id="{8C229D12-7753-6B63-5747-AA8726797119}"/>
-              </a:ext>
-            </a:extLst>
-          </p:cNvPr>
-          <p:cNvSpPr>
-            <a:spLocks noGrp="1"/>
-          </p:cNvSpPr>
-          <p:nvPr>
-            <p:ph type="dt" sz="half" idx="10"/>
-          </p:nvPr>
-        </p:nvSpPr>
-        <p:spPr/>
-        <p:txBody>
-          <a:bodyPr/>
-          <a:lstStyle/>
-          <a:p>
             <a:fld id="{858D4E80-38C4-4628-9E88-1CB6FE1A2243}" type="datetime1">
               <a:rPr lang="en-US" smtClean="0"/>
-              <a:t>9/25/2023</a:t>
+              <a:t>10/11/2023</a:t>
             </a:fld>
             <a:endParaRPr lang="en-US"/>
           </a:p>
@@ -6383,6 +6782,11 @@
   <p:clrMapOvr>
     <a:masterClrMapping/>
   </p:clrMapOvr>
+  <p:extLst>
+    <p:ext uri="{6950BFC3-D8DA-4A85-94F7-54DA5524770B}">
+      <p188:commentRel xmlns:p188="http://schemas.microsoft.com/office/powerpoint/2018/8/main" r:id="rId3"/>
+    </p:ext>
+  </p:extLst>
 </p:sld>
 </file>
 
@@ -6426,7 +6830,7 @@
           <a:p>
             <a:r>
               <a:rPr lang="en-US"/>
-              <a:t>Problem</a:t>
+              <a:t>Problem </a:t>
             </a:r>
           </a:p>
         </p:txBody>
@@ -6445,6 +6849,93 @@
           </p:cNvSpPr>
           <p:nvPr>
             <p:ph idx="1"/>
+          </p:nvPr>
+        </p:nvSpPr>
+        <p:spPr/>
+        <p:txBody>
+          <a:bodyPr vert="horz" lIns="91440" tIns="45720" rIns="91440" bIns="45720" rtlCol="0" anchor="t">
+            <a:normAutofit/>
+          </a:bodyPr>
+          <a:lstStyle/>
+          <a:p>
+            <a:r>
+              <a:rPr lang="en-US">
+                <a:latin typeface="Oswald"/>
+                <a:cs typeface="Arial"/>
+              </a:rPr>
+              <a:t>Silos of information not easily accessible or effective</a:t>
+            </a:r>
+          </a:p>
+          <a:p>
+            <a:pPr lvl="1">
+              <a:lnSpc>
+                <a:spcPct val="113999"/>
+              </a:lnSpc>
+              <a:buFont typeface="Courier New" panose="02070309020205020404" pitchFamily="49" charset="0"/>
+              <a:buChar char="o"/>
+            </a:pPr>
+            <a:r>
+              <a:rPr lang="en-US">
+                <a:latin typeface="Oswald"/>
+                <a:cs typeface="Arial"/>
+              </a:rPr>
+              <a:t>Around 2 hours a day spent trying to gather and correlate data</a:t>
+            </a:r>
+          </a:p>
+          <a:p>
+            <a:pPr lvl="1">
+              <a:lnSpc>
+                <a:spcPct val="113999"/>
+              </a:lnSpc>
+              <a:buFont typeface="Courier New" panose="02070309020205020404" pitchFamily="49" charset="0"/>
+              <a:buChar char="o"/>
+            </a:pPr>
+            <a:r>
+              <a:rPr lang="en-US">
+                <a:latin typeface="Oswald"/>
+                <a:cs typeface="Arial"/>
+              </a:rPr>
+              <a:t>Collaboration based tasks become predicated on the ability to gather all data sources first</a:t>
+            </a:r>
+          </a:p>
+          <a:p>
+            <a:pPr lvl="1">
+              <a:lnSpc>
+                <a:spcPct val="113999"/>
+              </a:lnSpc>
+              <a:buFont typeface="Courier New" panose="02070309020205020404" pitchFamily="49" charset="0"/>
+              <a:buChar char="o"/>
+            </a:pPr>
+            <a:r>
+              <a:rPr lang="en-US">
+                <a:latin typeface="Oswald"/>
+                <a:cs typeface="Arial"/>
+              </a:rPr>
+              <a:t>Overall, it is impractical to expect an operation supervisor to have a consistent amount of time to accomplish the full data gathering daily</a:t>
+            </a:r>
+          </a:p>
+          <a:p>
+            <a:endParaRPr lang="en-US"/>
+          </a:p>
+          <a:p>
+            <a:endParaRPr lang="en-US"/>
+          </a:p>
+        </p:txBody>
+      </p:sp>
+      <p:sp>
+        <p:nvSpPr>
+          <p:cNvPr id="4" name="Date Placeholder 3">
+            <a:extLst>
+              <a:ext uri="{FF2B5EF4-FFF2-40B4-BE49-F238E27FC236}">
+                <a16:creationId xmlns:a16="http://schemas.microsoft.com/office/drawing/2014/main" id="{4B944921-9178-A810-0E05-B811BDFC4F4B}"/>
+              </a:ext>
+            </a:extLst>
+          </p:cNvPr>
+          <p:cNvSpPr>
+            <a:spLocks noGrp="1"/>
+          </p:cNvSpPr>
+          <p:nvPr>
+            <p:ph type="dt" sz="half" idx="10"/>
           </p:nvPr>
         </p:nvSpPr>
         <p:spPr/>
@@ -6452,67 +6943,9 @@
           <a:bodyPr/>
           <a:lstStyle/>
           <a:p>
-            <a:r>
-              <a:rPr lang="en-US" dirty="0"/>
-              <a:t>Silos of information not easily accessible in a easy or effective manor</a:t>
-            </a:r>
-          </a:p>
-          <a:p>
-            <a:r>
-              <a:rPr lang="en-US" dirty="0"/>
-              <a:t>Benefits of the application:</a:t>
-            </a:r>
-          </a:p>
-          <a:p>
-            <a:pPr lvl="1"/>
-            <a:r>
-              <a:rPr lang="en-US" dirty="0"/>
-              <a:t>Around 2 hours of an operational supervisor’s day can be given back</a:t>
-            </a:r>
-          </a:p>
-          <a:p>
-            <a:pPr lvl="1"/>
-            <a:r>
-              <a:rPr lang="en-US" dirty="0"/>
-              <a:t>Not only the consolidation of data sources, but the support to collaborate on them</a:t>
-            </a:r>
-          </a:p>
-          <a:p>
-            <a:pPr lvl="1"/>
-            <a:r>
-              <a:rPr lang="en-US" dirty="0"/>
-              <a:t>Leads to a practical and maintainable ability to efficiently share data and save time</a:t>
-            </a:r>
-          </a:p>
-          <a:p>
-            <a:endParaRPr lang="en-US" dirty="0"/>
-          </a:p>
-        </p:txBody>
-      </p:sp>
-      <p:sp>
-        <p:nvSpPr>
-          <p:cNvPr id="4" name="Date Placeholder 3">
-            <a:extLst>
-              <a:ext uri="{FF2B5EF4-FFF2-40B4-BE49-F238E27FC236}">
-                <a16:creationId xmlns:a16="http://schemas.microsoft.com/office/drawing/2014/main" id="{4B944921-9178-A810-0E05-B811BDFC4F4B}"/>
-              </a:ext>
-            </a:extLst>
-          </p:cNvPr>
-          <p:cNvSpPr>
-            <a:spLocks noGrp="1"/>
-          </p:cNvSpPr>
-          <p:nvPr>
-            <p:ph type="dt" sz="half" idx="10"/>
-          </p:nvPr>
-        </p:nvSpPr>
-        <p:spPr/>
-        <p:txBody>
-          <a:bodyPr/>
-          <a:lstStyle/>
-          <a:p>
             <a:fld id="{858D4E80-38C4-4628-9E88-1CB6FE1A2243}" type="datetime1">
               <a:rPr lang="en-US" smtClean="0"/>
-              <a:t>9/25/2023</a:t>
+              <a:t>10/11/2023</a:t>
             </a:fld>
             <a:endParaRPr lang="en-US"/>
           </a:p>
@@ -6651,51 +7084,69 @@
         </p:nvSpPr>
         <p:spPr/>
         <p:txBody>
-          <a:bodyPr>
-            <a:normAutofit fontScale="92500" lnSpcReduction="10000"/>
+          <a:bodyPr vert="horz" lIns="91440" tIns="45720" rIns="91440" bIns="45720" rtlCol="0" anchor="t">
+            <a:normAutofit fontScale="92500" lnSpcReduction="20000"/>
           </a:bodyPr>
           <a:lstStyle/>
           <a:p>
             <a:r>
-              <a:rPr lang="en-US" dirty="0"/>
+              <a:rPr lang="en-US"/>
               <a:t>Created a Canvas Application to operate as a complex and interactive Dashboard</a:t>
             </a:r>
           </a:p>
           <a:p>
-            <a:pPr lvl="1"/>
-            <a:r>
-              <a:rPr lang="en-US" dirty="0"/>
+            <a:pPr lvl="1">
+              <a:buFont typeface="Courier New" panose="02070309020205020404" pitchFamily="49" charset="0"/>
+              <a:buChar char="o"/>
+            </a:pPr>
+            <a:r>
+              <a:rPr lang="en-US"/>
               <a:t>Companion Model Driven Application for data sharing and visibility</a:t>
             </a:r>
           </a:p>
           <a:p>
-            <a:pPr lvl="1"/>
-            <a:r>
-              <a:rPr lang="en-US" dirty="0"/>
-              <a:t>Power Bi Report for a rolled up version of the information</a:t>
-            </a:r>
-          </a:p>
-          <a:p>
-            <a:r>
-              <a:rPr lang="en-US" dirty="0"/>
-              <a:t>4 total solutions including a total of 110 items</a:t>
-            </a:r>
-          </a:p>
-          <a:p>
-            <a:pPr lvl="1"/>
-            <a:r>
-              <a:rPr lang="en-US" dirty="0"/>
-              <a:t>2 apps, 31 tables, 24 cloud flows, 1 column security profile, 17 connection references, 8 custom connectors, 10 dataflows, 1 custom control (PCF component), 10 environmental variables, 1 security role, 1 site map, 3 web resources</a:t>
-            </a:r>
-          </a:p>
-          <a:p>
-            <a:r>
-              <a:rPr lang="en-US" dirty="0"/>
-              <a:t>Only possible through the use of custom connectors leveraging external APIs, threaded BATCH Dataverse API calls through Power Automate, PCF components, and the delegable features of using Dataverse to create complex custom visuals.</a:t>
-            </a:r>
-          </a:p>
-          <a:p>
-            <a:endParaRPr lang="en-US" dirty="0"/>
+            <a:pPr lvl="1">
+              <a:buFont typeface="Courier New" panose="02070309020205020404" pitchFamily="49" charset="0"/>
+              <a:buChar char="o"/>
+            </a:pPr>
+            <a:r>
+              <a:rPr lang="en-US">
+                <a:latin typeface="Oswald"/>
+                <a:cs typeface="Arial"/>
+              </a:rPr>
+              <a:t>Power Bi report for a rolled-up version of the information</a:t>
+            </a:r>
+          </a:p>
+          <a:p>
+            <a:r>
+              <a:rPr lang="en-US">
+                <a:latin typeface="Oswald"/>
+                <a:cs typeface="Arial"/>
+              </a:rPr>
+              <a:t>4 total solutions, including a total of 110 items</a:t>
+            </a:r>
+          </a:p>
+          <a:p>
+            <a:pPr lvl="1">
+              <a:buFont typeface="Courier New" panose="02070309020205020404" pitchFamily="49" charset="0"/>
+              <a:buChar char="o"/>
+            </a:pPr>
+            <a:r>
+              <a:rPr lang="en-US"/>
+              <a:t>2 apps, 31 tables, 24 cloud flows, 1 column security profile, 17 connection references, 8 custom connectors, 10 dataflows, 1 custom control (custom code component), 10 environmental variables, 1 security role, 1 site map, 3 web resources</a:t>
+            </a:r>
+          </a:p>
+          <a:p>
+            <a:r>
+              <a:rPr lang="en-US">
+                <a:latin typeface="Oswald"/>
+                <a:cs typeface="Arial"/>
+              </a:rPr>
+              <a:t>Only possible through the use of custom connectors leveraging external APIs, threaded BATCH Dataverse API calls through Power Automate, custom code components, and the delegable features of using Dataverse to create complex custom visuals.</a:t>
+            </a:r>
+          </a:p>
+          <a:p>
+            <a:endParaRPr lang="en-US"/>
           </a:p>
         </p:txBody>
       </p:sp>
@@ -6722,7 +7173,7 @@
           <a:p>
             <a:fld id="{858D4E80-38C4-4628-9E88-1CB6FE1A2243}" type="datetime1">
               <a:rPr lang="en-US" smtClean="0"/>
-              <a:t>9/25/2023</a:t>
+              <a:t>10/11/2023</a:t>
             </a:fld>
             <a:endParaRPr lang="en-US"/>
           </a:p>
@@ -6859,105 +7310,147 @@
             <p:ph idx="1"/>
           </p:nvPr>
         </p:nvSpPr>
-        <p:spPr/>
-        <p:txBody>
-          <a:bodyPr>
-            <a:normAutofit fontScale="55000" lnSpcReduction="20000"/>
+        <p:spPr>
+          <a:xfrm>
+            <a:off x="838200" y="1552087"/>
+            <a:ext cx="10515600" cy="4810491"/>
+          </a:xfrm>
+        </p:spPr>
+        <p:txBody>
+          <a:bodyPr vert="horz" lIns="91440" tIns="45720" rIns="91440" bIns="45720" rtlCol="0" anchor="t">
+            <a:normAutofit fontScale="77500" lnSpcReduction="20000"/>
           </a:bodyPr>
           <a:lstStyle/>
           <a:p>
             <a:r>
-              <a:rPr lang="en-US" dirty="0"/>
+              <a:rPr lang="en-US"/>
               <a:t>Iterative process:</a:t>
             </a:r>
           </a:p>
           <a:p>
-            <a:pPr lvl="1"/>
-            <a:r>
-              <a:rPr lang="en-US" dirty="0"/>
+            <a:pPr lvl="1">
+              <a:buFont typeface="Courier New" panose="020B0604020202020204" pitchFamily="34" charset="0"/>
+              <a:buChar char="o"/>
+            </a:pPr>
+            <a:r>
+              <a:rPr lang="en-US">
+                <a:latin typeface="Oswald"/>
+                <a:cs typeface="Arial"/>
+              </a:rPr>
               <a:t>Started by creating Dataflows that would programmatically bring data into Dataverse.</a:t>
             </a:r>
           </a:p>
           <a:p>
-            <a:pPr lvl="1"/>
-            <a:r>
-              <a:rPr lang="en-US" dirty="0"/>
+            <a:pPr lvl="1">
+              <a:buFont typeface="Courier New" panose="020B0604020202020204" pitchFamily="34" charset="0"/>
+              <a:buChar char="o"/>
+            </a:pPr>
+            <a:r>
+              <a:rPr lang="en-US">
+                <a:latin typeface="Oswald"/>
+                <a:cs typeface="Arial"/>
+              </a:rPr>
               <a:t>Based on some dataset sizes, threaded and batched automations written for time savings</a:t>
             </a:r>
           </a:p>
           <a:p>
-            <a:pPr lvl="1"/>
-            <a:r>
-              <a:rPr lang="en-US" dirty="0"/>
+            <a:pPr lvl="1">
+              <a:buFont typeface="Courier New" panose="020B0604020202020204" pitchFamily="34" charset="0"/>
+              <a:buChar char="o"/>
+            </a:pPr>
+            <a:r>
+              <a:rPr lang="en-US">
+                <a:latin typeface="Oswald"/>
+                <a:cs typeface="Arial"/>
+              </a:rPr>
               <a:t>Custom connectors written to connect to the external sources</a:t>
             </a:r>
           </a:p>
           <a:p>
-            <a:pPr lvl="1"/>
-            <a:r>
-              <a:rPr lang="en-US" dirty="0"/>
-              <a:t>Basic UI modeling for more simplistic datasets</a:t>
-            </a:r>
-          </a:p>
-          <a:p>
-            <a:pPr lvl="1"/>
-            <a:r>
-              <a:rPr lang="en-US" dirty="0"/>
-              <a:t>Step by step creation of each modeling stage of the more complex datasets to allow for the creation of their visuals</a:t>
-            </a:r>
-          </a:p>
-          <a:p>
-            <a:pPr lvl="1"/>
-            <a:r>
-              <a:rPr lang="en-US" dirty="0"/>
-              <a:t>Dataflows to external Databases (Oracle) for enhanced dataset information</a:t>
-            </a:r>
-          </a:p>
-          <a:p>
-            <a:r>
-              <a:rPr lang="en-US" dirty="0"/>
-              <a:t>The data is refreshed every morning at 7 AM EST. With the assistance of Dataflows and Power Automate, the process is 15-20 minutes long versus 3 hours.</a:t>
-            </a:r>
-          </a:p>
-          <a:p>
-            <a:r>
-              <a:rPr lang="en-US" dirty="0"/>
+            <a:pPr lvl="1">
+              <a:buFont typeface="Courier New" panose="020B0604020202020204" pitchFamily="34" charset="0"/>
+              <a:buChar char="o"/>
+            </a:pPr>
+            <a:r>
+              <a:rPr lang="en-US">
+                <a:latin typeface="Oswald"/>
+                <a:cs typeface="Arial"/>
+              </a:rPr>
+              <a:t>User Interface (UI) modeling</a:t>
+            </a:r>
+          </a:p>
+          <a:p>
+            <a:r>
+              <a:rPr lang="en-US">
+                <a:latin typeface="Oswald"/>
+                <a:cs typeface="Arial"/>
+              </a:rPr>
+              <a:t>The data is refreshed every morning at 7 AM EST. With the assistance of Dataflows and Power Automate, the process is 15-20 minutes long, versus 3 hours.</a:t>
+            </a:r>
+          </a:p>
+          <a:p>
+            <a:r>
+              <a:rPr lang="en-US"/>
               <a:t>Hurdles during design/implementation:</a:t>
             </a:r>
           </a:p>
           <a:p>
-            <a:pPr lvl="1"/>
-            <a:r>
-              <a:rPr lang="en-US" dirty="0"/>
-              <a:t>Time. Data needed to be available daily but also at a time in which it would be the most usable</a:t>
-            </a:r>
-          </a:p>
-          <a:p>
-            <a:pPr lvl="1"/>
-            <a:r>
-              <a:rPr lang="en-US" dirty="0"/>
-              <a:t>Creating custom data models. SQL and Python were used to create datasets to map weather stations to air traffic facilities. This dataset is a backbone of the product and its usefulness.</a:t>
-            </a:r>
-          </a:p>
-          <a:p>
-            <a:pPr lvl="1"/>
-            <a:r>
-              <a:rPr lang="en-US" dirty="0"/>
+            <a:pPr lvl="1">
+              <a:buFont typeface="Courier New" panose="020B0604020202020204" pitchFamily="34" charset="0"/>
+              <a:buChar char="o"/>
+            </a:pPr>
+            <a:r>
+              <a:rPr lang="en-US">
+                <a:latin typeface="Oswald"/>
+                <a:cs typeface="Arial"/>
+              </a:rPr>
+              <a:t>Time. Data needed to be available daily, but also at a time in which it would be the most usable.</a:t>
+            </a:r>
+          </a:p>
+          <a:p>
+            <a:pPr lvl="1">
+              <a:buFont typeface="Courier New" panose="020B0604020202020204" pitchFamily="34" charset="0"/>
+              <a:buChar char="o"/>
+            </a:pPr>
+            <a:r>
+              <a:rPr lang="en-US">
+                <a:latin typeface="Oswald"/>
+                <a:cs typeface="Arial"/>
+              </a:rPr>
+              <a:t>Creating custom data models. Server Query Language (SQL) and Python were used to create datasets to map weather stations to air traffic facilities. This dataset is a backbone of the product and its usefulness.</a:t>
+            </a:r>
+          </a:p>
+          <a:p>
+            <a:pPr lvl="1">
+              <a:buFont typeface="Courier New" panose="020B0604020202020204" pitchFamily="34" charset="0"/>
+              <a:buChar char="o"/>
+            </a:pPr>
+            <a:r>
+              <a:rPr lang="en-US">
+                <a:latin typeface="Oswald"/>
+                <a:cs typeface="Arial"/>
+              </a:rPr>
               <a:t>User saved settings.</a:t>
             </a:r>
           </a:p>
           <a:p>
-            <a:pPr lvl="1"/>
-            <a:r>
-              <a:rPr lang="en-US" dirty="0"/>
-              <a:t>Modeling data using baked in functionality instead of turning to PCF components.</a:t>
-            </a:r>
-          </a:p>
-          <a:p>
-            <a:endParaRPr lang="en-US" dirty="0"/>
-          </a:p>
-          <a:p>
-            <a:endParaRPr lang="en-US" dirty="0"/>
+            <a:pPr lvl="1">
+              <a:buFont typeface="Courier New" panose="020B0604020202020204" pitchFamily="34" charset="0"/>
+              <a:buChar char="o"/>
+            </a:pPr>
+            <a:r>
+              <a:rPr lang="en-US">
+                <a:latin typeface="Oswald"/>
+                <a:cs typeface="Arial"/>
+              </a:rPr>
+              <a:t>Modeling data backed in functionality, instead of turning to custom code components.</a:t>
+            </a:r>
+          </a:p>
+          <a:p>
+            <a:endParaRPr lang="en-US"/>
+          </a:p>
+          <a:p>
+            <a:endParaRPr lang="en-US"/>
           </a:p>
         </p:txBody>
       </p:sp>
@@ -6984,7 +7477,7 @@
           <a:p>
             <a:fld id="{858D4E80-38C4-4628-9E88-1CB6FE1A2243}" type="datetime1">
               <a:rPr lang="en-US" smtClean="0"/>
-              <a:t>9/25/2023</a:t>
+              <a:t>10/11/2023</a:t>
             </a:fld>
             <a:endParaRPr lang="en-US"/>
           </a:p>
@@ -7123,54 +7616,151 @@
         </p:nvSpPr>
         <p:spPr/>
         <p:txBody>
+          <a:bodyPr vert="horz" lIns="91440" tIns="45720" rIns="91440" bIns="45720" rtlCol="0" anchor="t">
+            <a:noAutofit/>
+          </a:bodyPr>
+          <a:lstStyle/>
+          <a:p>
+            <a:pPr>
+              <a:lnSpc>
+                <a:spcPct val="113999"/>
+              </a:lnSpc>
+            </a:pPr>
+            <a:r>
+              <a:rPr lang="en-US">
+                <a:latin typeface="Oswald"/>
+                <a:cs typeface="Arial"/>
+              </a:rPr>
+              <a:t>Complex/unique aspects of product</a:t>
+            </a:r>
+          </a:p>
+          <a:p>
+            <a:pPr marL="800100" lvl="2" indent="-342900">
+              <a:lnSpc>
+                <a:spcPct val="113999"/>
+              </a:lnSpc>
+              <a:spcBef>
+                <a:spcPts val="1000"/>
+              </a:spcBef>
+              <a:buFont typeface="Courier New" panose="02070309020205020404" pitchFamily="49" charset="0"/>
+              <a:buChar char="o"/>
+            </a:pPr>
+            <a:r>
+              <a:rPr lang="en-US" sz="2400">
+                <a:latin typeface="Oswald"/>
+                <a:cs typeface="Arial"/>
+              </a:rPr>
+              <a:t>Demo of the BATCH threaded automations</a:t>
+            </a:r>
+          </a:p>
+          <a:p>
+            <a:pPr marL="800100" lvl="2" indent="-342900">
+              <a:lnSpc>
+                <a:spcPct val="113999"/>
+              </a:lnSpc>
+              <a:spcBef>
+                <a:spcPts val="1000"/>
+              </a:spcBef>
+              <a:buFont typeface="Courier New" panose="02070309020205020404" pitchFamily="49" charset="0"/>
+              <a:buChar char="o"/>
+            </a:pPr>
+            <a:r>
+              <a:rPr lang="en-US" sz="2400">
+                <a:latin typeface="Oswald"/>
+                <a:cs typeface="Arial"/>
+              </a:rPr>
+              <a:t>Code behind of the Position Data visual</a:t>
+            </a:r>
+          </a:p>
+          <a:p>
+            <a:pPr>
+              <a:lnSpc>
+                <a:spcPct val="113999"/>
+              </a:lnSpc>
+            </a:pPr>
+            <a:r>
+              <a:rPr lang="en-US">
+                <a:latin typeface="Oswald"/>
+                <a:cs typeface="Arial"/>
+              </a:rPr>
+              <a:t>User story demonstration</a:t>
+            </a:r>
+            <a:endParaRPr lang="en-US"/>
+          </a:p>
+          <a:p>
+            <a:pPr marL="800100" lvl="2" indent="-342900">
+              <a:spcBef>
+                <a:spcPts val="1000"/>
+              </a:spcBef>
+              <a:buFont typeface="Courier New" panose="02070309020205020404" pitchFamily="49" charset="0"/>
+              <a:buChar char="o"/>
+            </a:pPr>
+            <a:r>
+              <a:rPr lang="en-US" sz="2400">
+                <a:latin typeface="Oswald"/>
+                <a:cs typeface="Arial"/>
+              </a:rPr>
+              <a:t>Canvas Application</a:t>
+            </a:r>
+          </a:p>
+          <a:p>
+            <a:pPr marL="800100" lvl="2" indent="-342900">
+              <a:spcBef>
+                <a:spcPts val="1000"/>
+              </a:spcBef>
+              <a:buFont typeface="Courier New" panose="02070309020205020404" pitchFamily="49" charset="0"/>
+              <a:buChar char="o"/>
+            </a:pPr>
+            <a:r>
+              <a:rPr lang="en-US" sz="2400">
+                <a:latin typeface="Oswald"/>
+                <a:cs typeface="Arial"/>
+              </a:rPr>
+              <a:t>Model Driven Application</a:t>
+            </a:r>
+          </a:p>
+          <a:p>
+            <a:pPr marL="800100" lvl="2" indent="-342900">
+              <a:spcBef>
+                <a:spcPts val="1000"/>
+              </a:spcBef>
+              <a:buFont typeface="Courier New" panose="02070309020205020404" pitchFamily="49" charset="0"/>
+              <a:buChar char="o"/>
+            </a:pPr>
+            <a:r>
+              <a:rPr lang="en-US" sz="2400">
+                <a:latin typeface="Oswald"/>
+                <a:cs typeface="Arial"/>
+              </a:rPr>
+              <a:t>Power Bi Report</a:t>
+            </a:r>
+          </a:p>
+        </p:txBody>
+      </p:sp>
+      <p:sp>
+        <p:nvSpPr>
+          <p:cNvPr id="4" name="Date Placeholder 3">
+            <a:extLst>
+              <a:ext uri="{FF2B5EF4-FFF2-40B4-BE49-F238E27FC236}">
+                <a16:creationId xmlns:a16="http://schemas.microsoft.com/office/drawing/2014/main" id="{A2339D27-423F-052D-9168-0A88B35C82A6}"/>
+              </a:ext>
+            </a:extLst>
+          </p:cNvPr>
+          <p:cNvSpPr>
+            <a:spLocks noGrp="1"/>
+          </p:cNvSpPr>
+          <p:nvPr>
+            <p:ph type="dt" sz="half" idx="10"/>
+          </p:nvPr>
+        </p:nvSpPr>
+        <p:spPr/>
+        <p:txBody>
           <a:bodyPr/>
           <a:lstStyle/>
           <a:p>
-            <a:r>
-              <a:rPr lang="en-US" dirty="0"/>
-              <a:t>Complex/unique aspects of product</a:t>
-            </a:r>
-          </a:p>
-          <a:p>
-            <a:pPr lvl="1"/>
-            <a:r>
-              <a:rPr lang="en-US" dirty="0"/>
-              <a:t>Demo of the BATCH threaded automations</a:t>
-            </a:r>
-          </a:p>
-          <a:p>
-            <a:pPr lvl="1"/>
-            <a:r>
-              <a:rPr lang="en-US" dirty="0"/>
-              <a:t>Code behind of the Position Data visual</a:t>
-            </a:r>
-          </a:p>
-        </p:txBody>
-      </p:sp>
-      <p:sp>
-        <p:nvSpPr>
-          <p:cNvPr id="4" name="Date Placeholder 3">
-            <a:extLst>
-              <a:ext uri="{FF2B5EF4-FFF2-40B4-BE49-F238E27FC236}">
-                <a16:creationId xmlns:a16="http://schemas.microsoft.com/office/drawing/2014/main" id="{A2339D27-423F-052D-9168-0A88B35C82A6}"/>
-              </a:ext>
-            </a:extLst>
-          </p:cNvPr>
-          <p:cNvSpPr>
-            <a:spLocks noGrp="1"/>
-          </p:cNvSpPr>
-          <p:nvPr>
-            <p:ph type="dt" sz="half" idx="10"/>
-          </p:nvPr>
-        </p:nvSpPr>
-        <p:spPr/>
-        <p:txBody>
-          <a:bodyPr/>
-          <a:lstStyle/>
-          <a:p>
             <a:fld id="{858D4E80-38C4-4628-9E88-1CB6FE1A2243}" type="datetime1">
               <a:rPr lang="en-US" smtClean="0"/>
-              <a:t>9/25/2023</a:t>
+              <a:t>10/11/2023</a:t>
             </a:fld>
             <a:endParaRPr lang="en-US"/>
           </a:p>
@@ -7268,7 +7858,7 @@
           <p:cNvPr id="2" name="Title 1">
             <a:extLst>
               <a:ext uri="{FF2B5EF4-FFF2-40B4-BE49-F238E27FC236}">
-                <a16:creationId xmlns:a16="http://schemas.microsoft.com/office/drawing/2014/main" id="{29BD76E2-9730-03D7-A3A2-61C2460CAD28}"/>
+                <a16:creationId xmlns:a16="http://schemas.microsoft.com/office/drawing/2014/main" id="{63B235BE-B187-203A-0D6C-3B58471F9E62}"/>
               </a:ext>
             </a:extLst>
           </p:cNvPr>
@@ -7286,7 +7876,7 @@
           <a:p>
             <a:r>
               <a:rPr lang="en-US"/>
-              <a:t>Solution Demo &amp; Display	</a:t>
+              <a:t>Evaluation</a:t>
             </a:r>
           </a:p>
         </p:txBody>
@@ -7296,7 +7886,7 @@
           <p:cNvPr id="3" name="Content Placeholder 2">
             <a:extLst>
               <a:ext uri="{FF2B5EF4-FFF2-40B4-BE49-F238E27FC236}">
-                <a16:creationId xmlns:a16="http://schemas.microsoft.com/office/drawing/2014/main" id="{8E28BA9E-79F4-2BD3-5864-22232DA1645B}"/>
+                <a16:creationId xmlns:a16="http://schemas.microsoft.com/office/drawing/2014/main" id="{48F2B83B-4D39-3972-3C85-3C8CCD3B0F49}"/>
               </a:ext>
             </a:extLst>
           </p:cNvPr>
@@ -7305,6 +7895,109 @@
           </p:cNvSpPr>
           <p:nvPr>
             <p:ph idx="1"/>
+          </p:nvPr>
+        </p:nvSpPr>
+        <p:spPr/>
+        <p:txBody>
+          <a:bodyPr vert="horz" lIns="91440" tIns="45720" rIns="91440" bIns="45720" rtlCol="0" anchor="t">
+            <a:normAutofit fontScale="92500" lnSpcReduction="10000"/>
+          </a:bodyPr>
+          <a:lstStyle/>
+          <a:p>
+            <a:r>
+              <a:rPr lang="en-US"/>
+              <a:t>The Power Platform allowed us to create a basic infrastructure for the application quickly.</a:t>
+            </a:r>
+          </a:p>
+          <a:p>
+            <a:pPr lvl="1">
+              <a:buFont typeface="Courier New" panose="02070309020205020404" pitchFamily="49" charset="0"/>
+              <a:buChar char="o"/>
+            </a:pPr>
+            <a:r>
+              <a:rPr lang="en-US"/>
+              <a:t>Beyond that, we were able to implement more complex solutions easily and quickly with the optional tools available.</a:t>
+            </a:r>
+          </a:p>
+          <a:p>
+            <a:r>
+              <a:rPr lang="en-US"/>
+              <a:t>Drawbacks</a:t>
+            </a:r>
+          </a:p>
+          <a:p>
+            <a:pPr lvl="1">
+              <a:buFont typeface="Courier New" panose="02070309020205020404" pitchFamily="49" charset="0"/>
+              <a:buChar char="o"/>
+            </a:pPr>
+            <a:r>
+              <a:rPr lang="en-US"/>
+              <a:t>Dataflows are slow and therefore automations had to be written. Introduces an additional point of failure.</a:t>
+            </a:r>
+          </a:p>
+          <a:p>
+            <a:r>
+              <a:rPr lang="en-US">
+                <a:latin typeface="Oswald"/>
+                <a:cs typeface="Arial"/>
+              </a:rPr>
+              <a:t>Overall Outcome</a:t>
+            </a:r>
+            <a:endParaRPr lang="en-US"/>
+          </a:p>
+          <a:p>
+            <a:pPr lvl="1">
+              <a:lnSpc>
+                <a:spcPct val="113999"/>
+              </a:lnSpc>
+              <a:buFont typeface="Courier New" panose="02070309020205020404" pitchFamily="49" charset="0"/>
+              <a:buChar char="o"/>
+            </a:pPr>
+            <a:r>
+              <a:rPr lang="en-US">
+                <a:latin typeface="Oswald"/>
+                <a:cs typeface="Arial"/>
+              </a:rPr>
+              <a:t>2+ hours given back each day to the operational supervisors</a:t>
+            </a:r>
+            <a:endParaRPr lang="en-US"/>
+          </a:p>
+          <a:p>
+            <a:pPr lvl="1">
+              <a:lnSpc>
+                <a:spcPct val="113999"/>
+              </a:lnSpc>
+              <a:buFont typeface="Courier New" panose="02070309020205020404" pitchFamily="49" charset="0"/>
+              <a:buChar char="o"/>
+            </a:pPr>
+            <a:r>
+              <a:rPr lang="en-US">
+                <a:latin typeface="Oswald"/>
+                <a:cs typeface="Arial"/>
+              </a:rPr>
+              <a:t>Time to Dollars: Over 16 million a year</a:t>
+            </a:r>
+            <a:endParaRPr lang="en-US"/>
+          </a:p>
+          <a:p>
+            <a:endParaRPr lang="en-US"/>
+          </a:p>
+        </p:txBody>
+      </p:sp>
+      <p:sp>
+        <p:nvSpPr>
+          <p:cNvPr id="4" name="Date Placeholder 3">
+            <a:extLst>
+              <a:ext uri="{FF2B5EF4-FFF2-40B4-BE49-F238E27FC236}">
+                <a16:creationId xmlns:a16="http://schemas.microsoft.com/office/drawing/2014/main" id="{94EBCC26-7212-80DA-0A74-ECD09B6E3AC1}"/>
+              </a:ext>
+            </a:extLst>
+          </p:cNvPr>
+          <p:cNvSpPr>
+            <a:spLocks noGrp="1"/>
+          </p:cNvSpPr>
+          <p:nvPr>
+            <p:ph type="dt" sz="half" idx="10"/>
           </p:nvPr>
         </p:nvSpPr>
         <p:spPr/>
@@ -7312,27 +8005,28 @@
           <a:bodyPr/>
           <a:lstStyle/>
           <a:p>
-            <a:r>
-              <a:rPr lang="en-US" dirty="0"/>
-              <a:t>User story demonstration</a:t>
-            </a:r>
-          </a:p>
-        </p:txBody>
-      </p:sp>
-      <p:sp>
-        <p:nvSpPr>
-          <p:cNvPr id="4" name="Date Placeholder 3">
-            <a:extLst>
-              <a:ext uri="{FF2B5EF4-FFF2-40B4-BE49-F238E27FC236}">
-                <a16:creationId xmlns:a16="http://schemas.microsoft.com/office/drawing/2014/main" id="{A2339D27-423F-052D-9168-0A88B35C82A6}"/>
-              </a:ext>
-            </a:extLst>
-          </p:cNvPr>
-          <p:cNvSpPr>
-            <a:spLocks noGrp="1"/>
-          </p:cNvSpPr>
-          <p:nvPr>
-            <p:ph type="dt" sz="half" idx="10"/>
+            <a:fld id="{858D4E80-38C4-4628-9E88-1CB6FE1A2243}" type="datetime1">
+              <a:rPr lang="en-US" smtClean="0"/>
+              <a:t>10/11/2023</a:t>
+            </a:fld>
+            <a:endParaRPr lang="en-US"/>
+          </a:p>
+        </p:txBody>
+      </p:sp>
+      <p:sp>
+        <p:nvSpPr>
+          <p:cNvPr id="5" name="Footer Placeholder 4">
+            <a:extLst>
+              <a:ext uri="{FF2B5EF4-FFF2-40B4-BE49-F238E27FC236}">
+                <a16:creationId xmlns:a16="http://schemas.microsoft.com/office/drawing/2014/main" id="{203F04E1-3051-453E-2C78-F127FA99CAD1}"/>
+              </a:ext>
+            </a:extLst>
+          </p:cNvPr>
+          <p:cNvSpPr>
+            <a:spLocks noGrp="1"/>
+          </p:cNvSpPr>
+          <p:nvPr>
+            <p:ph type="ftr" sz="quarter" idx="11"/>
           </p:nvPr>
         </p:nvSpPr>
         <p:spPr/>
@@ -7340,35 +8034,6 @@
           <a:bodyPr/>
           <a:lstStyle/>
           <a:p>
-            <a:fld id="{858D4E80-38C4-4628-9E88-1CB6FE1A2243}" type="datetime1">
-              <a:rPr lang="en-US" smtClean="0"/>
-              <a:t>9/25/2023</a:t>
-            </a:fld>
-            <a:endParaRPr lang="en-US"/>
-          </a:p>
-        </p:txBody>
-      </p:sp>
-      <p:sp>
-        <p:nvSpPr>
-          <p:cNvPr id="5" name="Footer Placeholder 4">
-            <a:extLst>
-              <a:ext uri="{FF2B5EF4-FFF2-40B4-BE49-F238E27FC236}">
-                <a16:creationId xmlns:a16="http://schemas.microsoft.com/office/drawing/2014/main" id="{6AAE3CE6-BDE5-3E89-5B0B-9EBA1879445E}"/>
-              </a:ext>
-            </a:extLst>
-          </p:cNvPr>
-          <p:cNvSpPr>
-            <a:spLocks noGrp="1"/>
-          </p:cNvSpPr>
-          <p:nvPr>
-            <p:ph type="ftr" sz="quarter" idx="11"/>
-          </p:nvPr>
-        </p:nvSpPr>
-        <p:spPr/>
-        <p:txBody>
-          <a:bodyPr/>
-          <a:lstStyle/>
-          <a:p>
             <a:r>
               <a:rPr lang="en-US"/>
               <a:t>DOT Power Platform Day</a:t>
@@ -7381,7 +8046,7 @@
           <p:cNvPr id="6" name="Slide Number Placeholder 5">
             <a:extLst>
               <a:ext uri="{FF2B5EF4-FFF2-40B4-BE49-F238E27FC236}">
-                <a16:creationId xmlns:a16="http://schemas.microsoft.com/office/drawing/2014/main" id="{795F4472-D86E-55C9-40D2-3CF35A2ABBB7}"/>
+                <a16:creationId xmlns:a16="http://schemas.microsoft.com/office/drawing/2014/main" id="{1B2CFC1E-5002-D3C9-ECBA-603AD71C7E52}"/>
               </a:ext>
             </a:extLst>
           </p:cNvPr>
@@ -7408,7 +8073,7 @@
     </p:spTree>
     <p:extLst>
       <p:ext uri="{BB962C8B-B14F-4D97-AF65-F5344CB8AC3E}">
-        <p14:creationId xmlns:p14="http://schemas.microsoft.com/office/powerpoint/2010/main" val="3877737092"/>
+        <p14:creationId xmlns:p14="http://schemas.microsoft.com/office/powerpoint/2010/main" val="2066252942"/>
       </p:ext>
     </p:extLst>
   </p:cSld>
@@ -7440,7 +8105,7 @@
           <p:cNvPr id="2" name="Title 1">
             <a:extLst>
               <a:ext uri="{FF2B5EF4-FFF2-40B4-BE49-F238E27FC236}">
-                <a16:creationId xmlns:a16="http://schemas.microsoft.com/office/drawing/2014/main" id="{63B235BE-B187-203A-0D6C-3B58471F9E62}"/>
+                <a16:creationId xmlns:a16="http://schemas.microsoft.com/office/drawing/2014/main" id="{565F0EC9-F556-9331-ED78-FD4D06E1F13F}"/>
               </a:ext>
             </a:extLst>
           </p:cNvPr>
@@ -7451,14 +8116,19 @@
             <p:ph type="title"/>
           </p:nvPr>
         </p:nvSpPr>
-        <p:spPr/>
+        <p:spPr>
+          <a:xfrm>
+            <a:off x="838200" y="365125"/>
+            <a:ext cx="10515600" cy="813595"/>
+          </a:xfrm>
+        </p:spPr>
         <p:txBody>
           <a:bodyPr/>
           <a:lstStyle/>
           <a:p>
             <a:r>
               <a:rPr lang="en-US"/>
-              <a:t>Evaluation</a:t>
+              <a:t>Takeaways</a:t>
             </a:r>
           </a:p>
         </p:txBody>
@@ -7468,7 +8138,7 @@
           <p:cNvPr id="3" name="Content Placeholder 2">
             <a:extLst>
               <a:ext uri="{FF2B5EF4-FFF2-40B4-BE49-F238E27FC236}">
-                <a16:creationId xmlns:a16="http://schemas.microsoft.com/office/drawing/2014/main" id="{48F2B83B-4D39-3972-3C85-3C8CCD3B0F49}"/>
+                <a16:creationId xmlns:a16="http://schemas.microsoft.com/office/drawing/2014/main" id="{B7E93A47-C28D-2564-35E3-164B6754ABD6}"/>
               </a:ext>
             </a:extLst>
           </p:cNvPr>
@@ -7477,6 +8147,103 @@
           </p:cNvSpPr>
           <p:nvPr>
             <p:ph idx="1"/>
+          </p:nvPr>
+        </p:nvSpPr>
+        <p:spPr>
+          <a:xfrm>
+            <a:off x="838200" y="1269696"/>
+            <a:ext cx="10515600" cy="4907267"/>
+          </a:xfrm>
+        </p:spPr>
+        <p:txBody>
+          <a:bodyPr vert="horz" lIns="91440" tIns="45720" rIns="91440" bIns="45720" rtlCol="0" anchor="t">
+            <a:normAutofit/>
+          </a:bodyPr>
+          <a:lstStyle/>
+          <a:p>
+            <a:r>
+              <a:rPr lang="en-US">
+                <a:latin typeface="Oswald"/>
+                <a:cs typeface="Arial"/>
+              </a:rPr>
+              <a:t>The Power Platform allows for quick application structuring, along with many opportunities to introduce full scale web application design.</a:t>
+            </a:r>
+          </a:p>
+          <a:p>
+            <a:pPr lvl="1">
+              <a:buFont typeface="Courier New" panose="020B0604020202020204" pitchFamily="34" charset="0"/>
+              <a:buChar char="o"/>
+            </a:pPr>
+            <a:endParaRPr lang="en-US"/>
+          </a:p>
+          <a:p>
+            <a:r>
+              <a:rPr lang="en-US"/>
+              <a:t>Looking to do something similar?</a:t>
+            </a:r>
+          </a:p>
+          <a:p>
+            <a:pPr lvl="1">
+              <a:buFont typeface="Courier New" panose="020B0604020202020204" pitchFamily="34" charset="0"/>
+              <a:buChar char="o"/>
+            </a:pPr>
+            <a:r>
+              <a:rPr lang="en-US">
+                <a:latin typeface="Oswald"/>
+                <a:cs typeface="Arial"/>
+              </a:rPr>
+              <a:t>Prepare your data using the Model Driven Application functionality.</a:t>
+            </a:r>
+          </a:p>
+          <a:p>
+            <a:pPr lvl="1">
+              <a:buFont typeface="Courier New" panose="020B0604020202020204" pitchFamily="34" charset="0"/>
+              <a:buChar char="o"/>
+            </a:pPr>
+            <a:r>
+              <a:rPr lang="en-US">
+                <a:latin typeface="Oswald"/>
+                <a:cs typeface="Arial"/>
+              </a:rPr>
+              <a:t>Turn to canvas for as much of a UI layer only as possible</a:t>
+            </a:r>
+          </a:p>
+          <a:p>
+            <a:pPr lvl="1">
+              <a:buFont typeface="Courier New" panose="020B0604020202020204" pitchFamily="34" charset="0"/>
+              <a:buChar char="o"/>
+            </a:pPr>
+            <a:r>
+              <a:rPr lang="en-US">
+                <a:latin typeface="Oswald"/>
+                <a:cs typeface="Arial"/>
+              </a:rPr>
+              <a:t>If in Dataverse, bolster security by leveraging Security roles, Column Security profiles and Dataverse plugins to intercept server requests made outside of your canvas application</a:t>
+            </a:r>
+          </a:p>
+          <a:p>
+            <a:pPr>
+              <a:buFont typeface="Courier New" panose="020B0604020202020204" pitchFamily="34" charset="0"/>
+              <a:buChar char="o"/>
+            </a:pPr>
+            <a:endParaRPr lang="en-US"/>
+          </a:p>
+        </p:txBody>
+      </p:sp>
+      <p:sp>
+        <p:nvSpPr>
+          <p:cNvPr id="4" name="Date Placeholder 3">
+            <a:extLst>
+              <a:ext uri="{FF2B5EF4-FFF2-40B4-BE49-F238E27FC236}">
+                <a16:creationId xmlns:a16="http://schemas.microsoft.com/office/drawing/2014/main" id="{722D8448-2330-5852-4832-833DFA913417}"/>
+              </a:ext>
+            </a:extLst>
+          </p:cNvPr>
+          <p:cNvSpPr>
+            <a:spLocks noGrp="1"/>
+          </p:cNvSpPr>
+          <p:nvPr>
+            <p:ph type="dt" sz="half" idx="10"/>
           </p:nvPr>
         </p:nvSpPr>
         <p:spPr/>
@@ -7484,53 +8251,28 @@
           <a:bodyPr/>
           <a:lstStyle/>
           <a:p>
-            <a:r>
-              <a:rPr lang="en-US" dirty="0"/>
-              <a:t>The Power Platform allowed us to create a basic infrastructure for the application quickly.</a:t>
-            </a:r>
-          </a:p>
-          <a:p>
-            <a:pPr lvl="1"/>
-            <a:r>
-              <a:rPr lang="en-US" dirty="0"/>
-              <a:t>Beyond that, we were able to implement more complex solutions easily and quickly with the optional tools available.</a:t>
-            </a:r>
-          </a:p>
-          <a:p>
-            <a:r>
-              <a:rPr lang="en-US" dirty="0"/>
-              <a:t>Drawbacks</a:t>
-            </a:r>
-          </a:p>
-          <a:p>
-            <a:pPr lvl="1"/>
-            <a:r>
-              <a:rPr lang="en-US" dirty="0"/>
-              <a:t>Dataflows are slow and therefore automations had to be written. Introduces an additional point of failure.</a:t>
-            </a:r>
-          </a:p>
-          <a:p>
-            <a:endParaRPr lang="en-US" dirty="0"/>
-          </a:p>
-          <a:p>
-            <a:endParaRPr lang="en-US" dirty="0"/>
-          </a:p>
-        </p:txBody>
-      </p:sp>
-      <p:sp>
-        <p:nvSpPr>
-          <p:cNvPr id="4" name="Date Placeholder 3">
-            <a:extLst>
-              <a:ext uri="{FF2B5EF4-FFF2-40B4-BE49-F238E27FC236}">
-                <a16:creationId xmlns:a16="http://schemas.microsoft.com/office/drawing/2014/main" id="{94EBCC26-7212-80DA-0A74-ECD09B6E3AC1}"/>
-              </a:ext>
-            </a:extLst>
-          </p:cNvPr>
-          <p:cNvSpPr>
-            <a:spLocks noGrp="1"/>
-          </p:cNvSpPr>
-          <p:nvPr>
-            <p:ph type="dt" sz="half" idx="10"/>
+            <a:fld id="{858D4E80-38C4-4628-9E88-1CB6FE1A2243}" type="datetime1">
+              <a:rPr lang="en-US" smtClean="0"/>
+              <a:t>10/11/2023</a:t>
+            </a:fld>
+            <a:endParaRPr lang="en-US"/>
+          </a:p>
+        </p:txBody>
+      </p:sp>
+      <p:sp>
+        <p:nvSpPr>
+          <p:cNvPr id="5" name="Footer Placeholder 4">
+            <a:extLst>
+              <a:ext uri="{FF2B5EF4-FFF2-40B4-BE49-F238E27FC236}">
+                <a16:creationId xmlns:a16="http://schemas.microsoft.com/office/drawing/2014/main" id="{7437B8B9-6B71-36AD-8FC8-55F5EF4595AC}"/>
+              </a:ext>
+            </a:extLst>
+          </p:cNvPr>
+          <p:cNvSpPr>
+            <a:spLocks noGrp="1"/>
+          </p:cNvSpPr>
+          <p:nvPr>
+            <p:ph type="ftr" sz="quarter" idx="11"/>
           </p:nvPr>
         </p:nvSpPr>
         <p:spPr/>
@@ -7538,35 +8280,6 @@
           <a:bodyPr/>
           <a:lstStyle/>
           <a:p>
-            <a:fld id="{858D4E80-38C4-4628-9E88-1CB6FE1A2243}" type="datetime1">
-              <a:rPr lang="en-US" smtClean="0"/>
-              <a:t>9/25/2023</a:t>
-            </a:fld>
-            <a:endParaRPr lang="en-US"/>
-          </a:p>
-        </p:txBody>
-      </p:sp>
-      <p:sp>
-        <p:nvSpPr>
-          <p:cNvPr id="5" name="Footer Placeholder 4">
-            <a:extLst>
-              <a:ext uri="{FF2B5EF4-FFF2-40B4-BE49-F238E27FC236}">
-                <a16:creationId xmlns:a16="http://schemas.microsoft.com/office/drawing/2014/main" id="{203F04E1-3051-453E-2C78-F127FA99CAD1}"/>
-              </a:ext>
-            </a:extLst>
-          </p:cNvPr>
-          <p:cNvSpPr>
-            <a:spLocks noGrp="1"/>
-          </p:cNvSpPr>
-          <p:nvPr>
-            <p:ph type="ftr" sz="quarter" idx="11"/>
-          </p:nvPr>
-        </p:nvSpPr>
-        <p:spPr/>
-        <p:txBody>
-          <a:bodyPr/>
-          <a:lstStyle/>
-          <a:p>
             <a:r>
               <a:rPr lang="en-US"/>
               <a:t>DOT Power Platform Day</a:t>
@@ -7579,7 +8292,7 @@
           <p:cNvPr id="6" name="Slide Number Placeholder 5">
             <a:extLst>
               <a:ext uri="{FF2B5EF4-FFF2-40B4-BE49-F238E27FC236}">
-                <a16:creationId xmlns:a16="http://schemas.microsoft.com/office/drawing/2014/main" id="{1B2CFC1E-5002-D3C9-ECBA-603AD71C7E52}"/>
+                <a16:creationId xmlns:a16="http://schemas.microsoft.com/office/drawing/2014/main" id="{349A01F4-E549-F2FA-C486-818FCCACDAB4}"/>
               </a:ext>
             </a:extLst>
           </p:cNvPr>
@@ -7606,13 +8319,18 @@
     </p:spTree>
     <p:extLst>
       <p:ext uri="{BB962C8B-B14F-4D97-AF65-F5344CB8AC3E}">
-        <p14:creationId xmlns:p14="http://schemas.microsoft.com/office/powerpoint/2010/main" val="2066252942"/>
+        <p14:creationId xmlns:p14="http://schemas.microsoft.com/office/powerpoint/2010/main" val="2527044425"/>
       </p:ext>
     </p:extLst>
   </p:cSld>
   <p:clrMapOvr>
     <a:masterClrMapping/>
   </p:clrMapOvr>
+  <p:extLst>
+    <p:ext uri="{6950BFC3-D8DA-4A85-94F7-54DA5524770B}">
+      <p188:commentRel xmlns:p188="http://schemas.microsoft.com/office/powerpoint/2018/8/main" r:id="rId2"/>
+    </p:ext>
+  </p:extLst>
 </p:sld>
 </file>
 
@@ -7638,7 +8356,7 @@
           <p:cNvPr id="2" name="Title 1">
             <a:extLst>
               <a:ext uri="{FF2B5EF4-FFF2-40B4-BE49-F238E27FC236}">
-                <a16:creationId xmlns:a16="http://schemas.microsoft.com/office/drawing/2014/main" id="{565F0EC9-F556-9331-ED78-FD4D06E1F13F}"/>
+                <a16:creationId xmlns:a16="http://schemas.microsoft.com/office/drawing/2014/main" id="{22BBEA4A-615D-C180-7996-9301332CCE2A}"/>
               </a:ext>
             </a:extLst>
           </p:cNvPr>
@@ -7655,8 +8373,11 @@
           <a:lstStyle/>
           <a:p>
             <a:r>
-              <a:rPr lang="en-US"/>
-              <a:t>Takeaways</a:t>
+              <a:rPr lang="en-US">
+                <a:latin typeface="Oswald SemiBold"/>
+                <a:cs typeface="Arial"/>
+              </a:rPr>
+              <a:t>Resources</a:t>
             </a:r>
           </a:p>
         </p:txBody>
@@ -7666,7 +8387,7 @@
           <p:cNvPr id="3" name="Content Placeholder 2">
             <a:extLst>
               <a:ext uri="{FF2B5EF4-FFF2-40B4-BE49-F238E27FC236}">
-                <a16:creationId xmlns:a16="http://schemas.microsoft.com/office/drawing/2014/main" id="{B7E93A47-C28D-2564-35E3-164B6754ABD6}"/>
+                <a16:creationId xmlns:a16="http://schemas.microsoft.com/office/drawing/2014/main" id="{2043833F-1DF7-B6F8-D54D-0048B050ECC4}"/>
               </a:ext>
             </a:extLst>
           </p:cNvPr>
@@ -7677,82 +8398,322 @@
             <p:ph idx="1"/>
           </p:nvPr>
         </p:nvSpPr>
-        <p:spPr/>
-        <p:txBody>
-          <a:bodyPr>
-            <a:normAutofit fontScale="85000" lnSpcReduction="20000"/>
+        <p:spPr>
+          <a:xfrm>
+            <a:off x="838200" y="1349375"/>
+            <a:ext cx="10505017" cy="4996921"/>
+          </a:xfrm>
+          <a:solidFill>
+            <a:schemeClr val="tx1">
+              <a:lumMod val="75000"/>
+            </a:schemeClr>
+          </a:solidFill>
+        </p:spPr>
+        <p:txBody>
+          <a:bodyPr vert="horz" lIns="91440" tIns="45720" rIns="91440" bIns="45720" rtlCol="0" anchor="t">
+            <a:normAutofit fontScale="77500" lnSpcReduction="20000"/>
           </a:bodyPr>
           <a:lstStyle/>
           <a:p>
             <a:r>
-              <a:rPr lang="en-US" dirty="0"/>
-              <a:t>The Power Platform allows for quick application structuring alongside of providing many opportunities to introduce full scale web application design.</a:t>
-            </a:r>
-          </a:p>
-          <a:p>
-            <a:pPr lvl="1"/>
-            <a:r>
-              <a:rPr lang="en-US" dirty="0"/>
-              <a:t>PCF components</a:t>
-            </a:r>
-          </a:p>
-          <a:p>
-            <a:pPr lvl="1"/>
-            <a:r>
-              <a:rPr lang="en-US" dirty="0"/>
-              <a:t>C# plugins</a:t>
-            </a:r>
-          </a:p>
-          <a:p>
-            <a:pPr lvl="1"/>
-            <a:r>
-              <a:rPr lang="en-US" dirty="0"/>
-              <a:t>Dataverse Actions</a:t>
-            </a:r>
-          </a:p>
-          <a:p>
-            <a:pPr lvl="1"/>
-            <a:r>
-              <a:rPr lang="en-US" dirty="0"/>
-              <a:t>Dataverse Custom APIs</a:t>
-            </a:r>
-          </a:p>
-          <a:p>
-            <a:pPr lvl="1"/>
-            <a:r>
-              <a:rPr lang="en-US" dirty="0"/>
-              <a:t>Custom connectors with or without code</a:t>
-            </a:r>
-          </a:p>
-          <a:p>
-            <a:r>
-              <a:rPr lang="en-US" dirty="0"/>
-              <a:t>Looking to do something similar?</a:t>
-            </a:r>
-          </a:p>
-          <a:p>
-            <a:pPr lvl="1"/>
-            <a:r>
-              <a:rPr lang="en-US" dirty="0"/>
-              <a:t>Prepare your data using the Model Driven Application functionality.</a:t>
-            </a:r>
-          </a:p>
-          <a:p>
-            <a:pPr lvl="1"/>
-            <a:r>
-              <a:rPr lang="en-US" dirty="0"/>
-              <a:t>Turn to canvas for as much of a UI layer only as possible</a:t>
-            </a:r>
-          </a:p>
-          <a:p>
-            <a:pPr lvl="1"/>
-            <a:r>
-              <a:rPr lang="en-US" dirty="0"/>
-              <a:t>If in Dataverse, bolster security by leveraging Security roles, Column Security profiles and C# plugins to intercept API calls made outside of your canvas application</a:t>
-            </a:r>
-          </a:p>
-          <a:p>
-            <a:endParaRPr lang="en-US" dirty="0"/>
+              <a:rPr lang="en-US">
+                <a:solidFill>
+                  <a:schemeClr val="bg1"/>
+                </a:solidFill>
+                <a:latin typeface="Oswald"/>
+                <a:cs typeface="Arial"/>
+                <a:hlinkClick r:id="rId3">
+                  <a:extLst>
+                    <a:ext uri="{A12FA001-AC4F-418D-AE19-62706E023703}">
+                      <ahyp:hlinkClr xmlns:ahyp="http://schemas.microsoft.com/office/drawing/2018/hyperlinkcolor" val="tx"/>
+                    </a:ext>
+                  </a:extLst>
+                </a:hlinkClick>
+              </a:rPr>
+              <a:t>(168) Power Platform: Advanced Learning Workshop on Solution Architecture </a:t>
+            </a:r>
+            <a:r>
+              <a:rPr lang="en-US">
+                <a:solidFill>
+                  <a:schemeClr val="bg1"/>
+                </a:solidFill>
+                <a:latin typeface="Oswald"/>
+                <a:cs typeface="Arial"/>
+                <a:hlinkClick r:id="rId4">
+                  <a:extLst>
+                    <a:ext uri="{A12FA001-AC4F-418D-AE19-62706E023703}">
+                      <ahyp:hlinkClr xmlns:ahyp="http://schemas.microsoft.com/office/drawing/2018/hyperlinkcolor" val="tx"/>
+                    </a:ext>
+                  </a:extLst>
+                </a:hlinkClick>
+              </a:rPr>
+              <a:t>–</a:t>
+            </a:r>
+            <a:r>
+              <a:rPr lang="en-US">
+                <a:solidFill>
+                  <a:schemeClr val="bg1"/>
+                </a:solidFill>
+                <a:latin typeface="Oswald"/>
+                <a:cs typeface="Arial"/>
+                <a:hlinkClick r:id="rId3">
+                  <a:extLst>
+                    <a:ext uri="{A12FA001-AC4F-418D-AE19-62706E023703}">
+                      <ahyp:hlinkClr xmlns:ahyp="http://schemas.microsoft.com/office/drawing/2018/hyperlinkcolor" val="tx"/>
+                    </a:ext>
+                  </a:extLst>
+                </a:hlinkClick>
+              </a:rPr>
+              <a:t> YouTube</a:t>
+            </a:r>
+            <a:endParaRPr lang="en-US">
+              <a:solidFill>
+                <a:schemeClr val="bg1"/>
+              </a:solidFill>
+              <a:latin typeface="Oswald"/>
+              <a:cs typeface="Arial"/>
+            </a:endParaRPr>
+          </a:p>
+          <a:p>
+            <a:r>
+              <a:rPr lang="en-US">
+                <a:solidFill>
+                  <a:schemeClr val="bg1"/>
+                </a:solidFill>
+                <a:latin typeface="Oswald"/>
+                <a:cs typeface="Arial"/>
+                <a:hlinkClick r:id="rId5">
+                  <a:extLst>
+                    <a:ext uri="{A12FA001-AC4F-418D-AE19-62706E023703}">
+                      <ahyp:hlinkClr xmlns:ahyp="http://schemas.microsoft.com/office/drawing/2018/hyperlinkcolor" val="tx"/>
+                    </a:ext>
+                  </a:extLst>
+                </a:hlinkClick>
+              </a:rPr>
+              <a:t>blakeZTL/DOT-PowerPlatformDay: A repository for resources regarding the presentation (github.com)</a:t>
+            </a:r>
+            <a:endParaRPr lang="en-US">
+              <a:solidFill>
+                <a:schemeClr val="bg1"/>
+              </a:solidFill>
+              <a:latin typeface="Oswald"/>
+              <a:cs typeface="Arial"/>
+              <a:hlinkClick r:id="rId4">
+                <a:extLst>
+                  <a:ext uri="{A12FA001-AC4F-418D-AE19-62706E023703}">
+                    <ahyp:hlinkClr xmlns:ahyp="http://schemas.microsoft.com/office/drawing/2018/hyperlinkcolor" val="tx"/>
+                  </a:ext>
+                </a:extLst>
+              </a:hlinkClick>
+            </a:endParaRPr>
+          </a:p>
+          <a:p>
+            <a:r>
+              <a:rPr lang="en-US">
+                <a:solidFill>
+                  <a:schemeClr val="bg1"/>
+                </a:solidFill>
+                <a:latin typeface="Oswald"/>
+                <a:cs typeface="Arial"/>
+                <a:hlinkClick r:id="rId4">
+                  <a:extLst>
+                    <a:ext uri="{A12FA001-AC4F-418D-AE19-62706E023703}">
+                      <ahyp:hlinkClr xmlns:ahyp="http://schemas.microsoft.com/office/drawing/2018/hyperlinkcolor" val="tx"/>
+                    </a:ext>
+                  </a:extLst>
+                </a:hlinkClick>
+              </a:rPr>
+              <a:t>Tutorial: Write and register a plug-in (Microsoft Dataverse) - Power Apps | Microsoft Learn</a:t>
+            </a:r>
+            <a:endParaRPr lang="en-US">
+              <a:solidFill>
+                <a:schemeClr val="bg1"/>
+              </a:solidFill>
+              <a:latin typeface="Oswald"/>
+              <a:cs typeface="Arial"/>
+            </a:endParaRPr>
+          </a:p>
+          <a:p>
+            <a:r>
+              <a:rPr lang="en-US">
+                <a:solidFill>
+                  <a:schemeClr val="bg1"/>
+                </a:solidFill>
+                <a:latin typeface="Oswald"/>
+                <a:cs typeface="Arial"/>
+                <a:hlinkClick r:id="rId6">
+                  <a:extLst>
+                    <a:ext uri="{A12FA001-AC4F-418D-AE19-62706E023703}">
+                      <ahyp:hlinkClr xmlns:ahyp="http://schemas.microsoft.com/office/drawing/2018/hyperlinkcolor" val="tx"/>
+                    </a:ext>
+                  </a:extLst>
+                </a:hlinkClick>
+              </a:rPr>
+              <a:t>Create and build a code component - Power Apps | Microsoft Learn</a:t>
+            </a:r>
+            <a:endParaRPr lang="en-US">
+              <a:solidFill>
+                <a:schemeClr val="bg1"/>
+              </a:solidFill>
+              <a:latin typeface="Oswald"/>
+              <a:cs typeface="Arial"/>
+            </a:endParaRPr>
+          </a:p>
+          <a:p>
+            <a:r>
+              <a:rPr lang="en-US">
+                <a:solidFill>
+                  <a:schemeClr val="bg1"/>
+                </a:solidFill>
+                <a:latin typeface="Oswald"/>
+                <a:cs typeface="Arial"/>
+                <a:hlinkClick r:id="rId7">
+                  <a:extLst>
+                    <a:ext uri="{A12FA001-AC4F-418D-AE19-62706E023703}">
+                      <ahyp:hlinkClr xmlns:ahyp="http://schemas.microsoft.com/office/drawing/2018/hyperlinkcolor" val="tx"/>
+                    </a:ext>
+                  </a:extLst>
+                </a:hlinkClick>
+              </a:rPr>
+              <a:t>Create and use dataflows in Microsoft Power Platform - Power Query | Microsoft Learn</a:t>
+            </a:r>
+            <a:endParaRPr lang="en-US">
+              <a:solidFill>
+                <a:schemeClr val="bg1"/>
+              </a:solidFill>
+              <a:latin typeface="Oswald"/>
+              <a:cs typeface="Arial"/>
+            </a:endParaRPr>
+          </a:p>
+          <a:p>
+            <a:r>
+              <a:rPr lang="en-US">
+                <a:solidFill>
+                  <a:schemeClr val="bg1"/>
+                </a:solidFill>
+                <a:latin typeface="Oswald"/>
+                <a:cs typeface="Arial"/>
+                <a:hlinkClick r:id="rId8">
+                  <a:extLst>
+                    <a:ext uri="{A12FA001-AC4F-418D-AE19-62706E023703}">
+                      <ahyp:hlinkClr xmlns:ahyp="http://schemas.microsoft.com/office/drawing/2018/hyperlinkcolor" val="tx"/>
+                    </a:ext>
+                  </a:extLst>
+                </a:hlinkClick>
+              </a:rPr>
+              <a:t>Create and use custom APIs (Microsoft Dataverse) - Power Apps | Microsoft Learn</a:t>
+            </a:r>
+            <a:endParaRPr lang="en-US">
+              <a:solidFill>
+                <a:schemeClr val="bg1"/>
+              </a:solidFill>
+              <a:latin typeface="Oswald"/>
+              <a:cs typeface="Arial"/>
+            </a:endParaRPr>
+          </a:p>
+          <a:p>
+            <a:r>
+              <a:rPr lang="en-US">
+                <a:solidFill>
+                  <a:schemeClr val="bg1"/>
+                </a:solidFill>
+                <a:latin typeface="Oswald"/>
+                <a:cs typeface="Arial"/>
+                <a:hlinkClick r:id="rId9">
+                  <a:extLst>
+                    <a:ext uri="{A12FA001-AC4F-418D-AE19-62706E023703}">
+                      <ahyp:hlinkClr xmlns:ahyp="http://schemas.microsoft.com/office/drawing/2018/hyperlinkcolor" val="tx"/>
+                    </a:ext>
+                  </a:extLst>
+                </a:hlinkClick>
+              </a:rPr>
+              <a:t>Create a custom connector from scratch | Microsoft Learn</a:t>
+            </a:r>
+            <a:endParaRPr lang="en-US">
+              <a:solidFill>
+                <a:schemeClr val="bg1"/>
+              </a:solidFill>
+              <a:latin typeface="Oswald"/>
+              <a:cs typeface="Arial"/>
+            </a:endParaRPr>
+          </a:p>
+          <a:p>
+            <a:r>
+              <a:rPr lang="en-US">
+                <a:solidFill>
+                  <a:schemeClr val="bg1"/>
+                </a:solidFill>
+                <a:latin typeface="Oswald"/>
+                <a:cs typeface="Arial"/>
+                <a:hlinkClick r:id="rId10">
+                  <a:extLst>
+                    <a:ext uri="{A12FA001-AC4F-418D-AE19-62706E023703}">
+                      <ahyp:hlinkClr xmlns:ahyp="http://schemas.microsoft.com/office/drawing/2018/hyperlinkcolor" val="tx"/>
+                    </a:ext>
+                  </a:extLst>
+                </a:hlinkClick>
+              </a:rPr>
+              <a:t>Use the Microsoft Dataverse Web API (Dataverse) - Power Apps | Microsoft Learn</a:t>
+            </a:r>
+            <a:endParaRPr lang="en-US">
+              <a:solidFill>
+                <a:schemeClr val="bg1"/>
+              </a:solidFill>
+              <a:latin typeface="Oswald"/>
+              <a:cs typeface="Arial"/>
+            </a:endParaRPr>
+          </a:p>
+          <a:p>
+            <a:r>
+              <a:rPr lang="en-US">
+                <a:solidFill>
+                  <a:schemeClr val="bg1"/>
+                </a:solidFill>
+                <a:latin typeface="Oswald"/>
+                <a:cs typeface="Arial"/>
+                <a:hlinkClick r:id="rId11">
+                  <a:extLst>
+                    <a:ext uri="{A12FA001-AC4F-418D-AE19-62706E023703}">
+                      <ahyp:hlinkClr xmlns:ahyp="http://schemas.microsoft.com/office/drawing/2018/hyperlinkcolor" val="tx"/>
+                    </a:ext>
+                  </a:extLst>
+                </a:hlinkClick>
+              </a:rPr>
+              <a:t>Get to know the SharePoint REST service | Microsoft Learn</a:t>
+            </a:r>
+            <a:endParaRPr lang="en-US">
+              <a:solidFill>
+                <a:schemeClr val="bg1"/>
+              </a:solidFill>
+              <a:latin typeface="Oswald"/>
+              <a:cs typeface="Arial"/>
+            </a:endParaRPr>
+          </a:p>
+          <a:p>
+            <a:r>
+              <a:rPr lang="en-US">
+                <a:solidFill>
+                  <a:schemeClr val="bg1"/>
+                </a:solidFill>
+                <a:latin typeface="Oswald"/>
+                <a:cs typeface="Arial"/>
+                <a:hlinkClick r:id="rId12">
+                  <a:extLst>
+                    <a:ext uri="{A12FA001-AC4F-418D-AE19-62706E023703}">
+                      <ahyp:hlinkClr xmlns:ahyp="http://schemas.microsoft.com/office/drawing/2018/hyperlinkcolor" val="tx"/>
+                    </a:ext>
+                  </a:extLst>
+                </a:hlinkClick>
+              </a:rPr>
+              <a:t>Solutions in Power Apps - Power Apps | Microsoft Learn</a:t>
+            </a:r>
+            <a:endParaRPr lang="en-US">
+              <a:solidFill>
+                <a:schemeClr val="bg1"/>
+              </a:solidFill>
+              <a:latin typeface="Oswald"/>
+              <a:cs typeface="Arial"/>
+            </a:endParaRPr>
           </a:p>
         </p:txBody>
       </p:sp>
@@ -7761,7 +8722,7 @@
           <p:cNvPr id="4" name="Date Placeholder 3">
             <a:extLst>
               <a:ext uri="{FF2B5EF4-FFF2-40B4-BE49-F238E27FC236}">
-                <a16:creationId xmlns:a16="http://schemas.microsoft.com/office/drawing/2014/main" id="{722D8448-2330-5852-4832-833DFA913417}"/>
+                <a16:creationId xmlns:a16="http://schemas.microsoft.com/office/drawing/2014/main" id="{F14BEB73-6900-9EF7-6ADA-4C11DD3847DD}"/>
               </a:ext>
             </a:extLst>
           </p:cNvPr>
@@ -7779,7 +8740,7 @@
           <a:p>
             <a:fld id="{858D4E80-38C4-4628-9E88-1CB6FE1A2243}" type="datetime1">
               <a:rPr lang="en-US" smtClean="0"/>
-              <a:t>9/25/2023</a:t>
+              <a:t>10/11/2023</a:t>
             </a:fld>
             <a:endParaRPr lang="en-US"/>
           </a:p>
@@ -7790,7 +8751,7 @@
           <p:cNvPr id="5" name="Footer Placeholder 4">
             <a:extLst>
               <a:ext uri="{FF2B5EF4-FFF2-40B4-BE49-F238E27FC236}">
-                <a16:creationId xmlns:a16="http://schemas.microsoft.com/office/drawing/2014/main" id="{7437B8B9-6B71-36AD-8FC8-55F5EF4595AC}"/>
+                <a16:creationId xmlns:a16="http://schemas.microsoft.com/office/drawing/2014/main" id="{FC0320C1-8614-96E3-D4D5-214176DF64DD}"/>
               </a:ext>
             </a:extLst>
           </p:cNvPr>
@@ -7818,7 +8779,7 @@
           <p:cNvPr id="6" name="Slide Number Placeholder 5">
             <a:extLst>
               <a:ext uri="{FF2B5EF4-FFF2-40B4-BE49-F238E27FC236}">
-                <a16:creationId xmlns:a16="http://schemas.microsoft.com/office/drawing/2014/main" id="{349A01F4-E549-F2FA-C486-818FCCACDAB4}"/>
+                <a16:creationId xmlns:a16="http://schemas.microsoft.com/office/drawing/2014/main" id="{AB62EBDA-D53E-37D0-CE46-6D43791E8C2E}"/>
               </a:ext>
             </a:extLst>
           </p:cNvPr>
@@ -7845,13 +8806,18 @@
     </p:spTree>
     <p:extLst>
       <p:ext uri="{BB962C8B-B14F-4D97-AF65-F5344CB8AC3E}">
-        <p14:creationId xmlns:p14="http://schemas.microsoft.com/office/powerpoint/2010/main" val="2527044425"/>
+        <p14:creationId xmlns:p14="http://schemas.microsoft.com/office/powerpoint/2010/main" val="1404651703"/>
       </p:ext>
     </p:extLst>
   </p:cSld>
   <p:clrMapOvr>
     <a:masterClrMapping/>
   </p:clrMapOvr>
+  <p:extLst>
+    <p:ext uri="{6950BFC3-D8DA-4A85-94F7-54DA5524770B}">
+      <p188:commentRel xmlns:p188="http://schemas.microsoft.com/office/powerpoint/2018/8/main" r:id="rId2"/>
+    </p:ext>
+  </p:extLst>
 </p:sld>
 </file>
 
@@ -8741,15 +9707,6 @@
 </file>
 
 <file path=customXml/item1.xml><?xml version="1.0" encoding="utf-8"?>
-<?mso-contentType ?>
-<FormTemplates xmlns="http://schemas.microsoft.com/sharepoint/v3/contenttype/forms">
-  <Display>DocumentLibraryForm</Display>
-  <Edit>DocumentLibraryForm</Edit>
-  <New>DocumentLibraryForm</New>
-</FormTemplates>
-</file>
-
-<file path=customXml/item2.xml><?xml version="1.0" encoding="utf-8"?>
 <p:properties xmlns:p="http://schemas.microsoft.com/office/2006/metadata/properties" xmlns:xsi="http://www.w3.org/2001/XMLSchema-instance" xmlns:pc="http://schemas.microsoft.com/office/infopath/2007/PartnerControls">
   <documentManagement>
     <lcf76f155ced4ddcb4097134ff3c332f xmlns="0e1b2695-1a14-49df-bfba-d5b78c679949">
@@ -8760,7 +9717,7 @@
 </p:properties>
 </file>
 
-<file path=customXml/item3.xml><?xml version="1.0" encoding="utf-8"?>
+<file path=customXml/item2.xml><?xml version="1.0" encoding="utf-8"?>
 <ct:contentTypeSchema xmlns:ct="http://schemas.microsoft.com/office/2006/metadata/contentType" xmlns:ma="http://schemas.microsoft.com/office/2006/metadata/properties/metaAttributes" ct:_="" ma:_="" ma:contentTypeName="Document" ma:contentTypeID="0x010100B87DA8DC2117064090494360E6B5888D" ma:contentTypeVersion="9" ma:contentTypeDescription="Create a new document." ma:contentTypeScope="" ma:versionID="ff624e0cf27fe42759947b80ada2af50">
   <xsd:schema xmlns:xsd="http://www.w3.org/2001/XMLSchema" xmlns:xs="http://www.w3.org/2001/XMLSchema" xmlns:p="http://schemas.microsoft.com/office/2006/metadata/properties" xmlns:ns2="0e1b2695-1a14-49df-bfba-d5b78c679949" xmlns:ns3="c063b311-7538-4db3-af6e-4bd640bec0e2" targetNamespace="http://schemas.microsoft.com/office/2006/metadata/properties" ma:root="true" ma:fieldsID="3f0a10b1175439a36460d14d0e830af3" ns2:_="" ns3:_="">
     <xsd:import namespace="0e1b2695-1a14-49df-bfba-d5b78c679949"/>
@@ -8941,48 +9898,55 @@
 </ct:contentTypeSchema>
 </file>
 
+<file path=customXml/item3.xml><?xml version="1.0" encoding="utf-8"?>
+<?mso-contentType ?>
+<FormTemplates xmlns="http://schemas.microsoft.com/sharepoint/v3/contenttype/forms">
+  <Display>DocumentLibraryForm</Display>
+  <Edit>DocumentLibraryForm</Edit>
+  <New>DocumentLibraryForm</New>
+</FormTemplates>
+</file>
+
 <file path=customXml/itemProps1.xml><?xml version="1.0" encoding="utf-8"?>
+<ds:datastoreItem xmlns:ds="http://schemas.openxmlformats.org/officeDocument/2006/customXml" ds:itemID="{7F65BE16-5A6A-4E15-B7C9-803EEF43672B}">
+  <ds:schemaRefs>
+    <ds:schemaRef ds:uri="http://schemas.openxmlformats.org/package/2006/metadata/core-properties"/>
+    <ds:schemaRef ds:uri="http://schemas.microsoft.com/office/2006/documentManagement/types"/>
+    <ds:schemaRef ds:uri="http://schemas.microsoft.com/office/2006/metadata/properties"/>
+    <ds:schemaRef ds:uri="http://schemas.microsoft.com/office/infopath/2007/PartnerControls"/>
+    <ds:schemaRef ds:uri="http://purl.org/dc/elements/1.1/"/>
+    <ds:schemaRef ds:uri="c063b311-7538-4db3-af6e-4bd640bec0e2"/>
+    <ds:schemaRef ds:uri="0e1b2695-1a14-49df-bfba-d5b78c679949"/>
+    <ds:schemaRef ds:uri="http://www.w3.org/XML/1998/namespace"/>
+    <ds:schemaRef ds:uri="http://purl.org/dc/dcmitype/"/>
+    <ds:schemaRef ds:uri="http://purl.org/dc/terms/"/>
+  </ds:schemaRefs>
+</ds:datastoreItem>
+</file>
+
+<file path=customXml/itemProps2.xml><?xml version="1.0" encoding="utf-8"?>
+<ds:datastoreItem xmlns:ds="http://schemas.openxmlformats.org/officeDocument/2006/customXml" ds:itemID="{F1446BC0-6709-49D4-B0A5-A3962833E52F}">
+  <ds:schemaRefs>
+    <ds:schemaRef ds:uri="0e1b2695-1a14-49df-bfba-d5b78c679949"/>
+    <ds:schemaRef ds:uri="c063b311-7538-4db3-af6e-4bd640bec0e2"/>
+    <ds:schemaRef ds:uri="http://purl.org/dc/elements/1.1/"/>
+    <ds:schemaRef ds:uri="http://purl.org/dc/terms/"/>
+    <ds:schemaRef ds:uri="http://schemas.microsoft.com/internal/obd"/>
+    <ds:schemaRef ds:uri="http://schemas.microsoft.com/office/2006/documentManagement/types"/>
+    <ds:schemaRef ds:uri="http://schemas.microsoft.com/office/2006/metadata/contentType"/>
+    <ds:schemaRef ds:uri="http://schemas.microsoft.com/office/2006/metadata/properties"/>
+    <ds:schemaRef ds:uri="http://schemas.microsoft.com/office/2006/metadata/properties/metaAttributes"/>
+    <ds:schemaRef ds:uri="http://schemas.microsoft.com/office/infopath/2007/PartnerControls"/>
+    <ds:schemaRef ds:uri="http://schemas.openxmlformats.org/package/2006/metadata/core-properties"/>
+    <ds:schemaRef ds:uri="http://www.w3.org/2001/XMLSchema"/>
+  </ds:schemaRefs>
+</ds:datastoreItem>
+</file>
+
+<file path=customXml/itemProps3.xml><?xml version="1.0" encoding="utf-8"?>
 <ds:datastoreItem xmlns:ds="http://schemas.openxmlformats.org/officeDocument/2006/customXml" ds:itemID="{4FBF7065-5B60-467E-977C-0649D627965E}">
   <ds:schemaRefs>
     <ds:schemaRef ds:uri="http://schemas.microsoft.com/sharepoint/v3/contenttype/forms"/>
   </ds:schemaRefs>
 </ds:datastoreItem>
-</file>
-
-<file path=customXml/itemProps2.xml><?xml version="1.0" encoding="utf-8"?>
-<ds:datastoreItem xmlns:ds="http://schemas.openxmlformats.org/officeDocument/2006/customXml" ds:itemID="{7F65BE16-5A6A-4E15-B7C9-803EEF43672B}">
-  <ds:schemaRefs>
-    <ds:schemaRef ds:uri="8729dc08-3df3-40e4-95fa-1e86e9f401f5"/>
-    <ds:schemaRef ds:uri="ddc687d6-a1bd-4a90-8ae4-f84fd02bbe8a"/>
-    <ds:schemaRef ds:uri="http://purl.org/dc/dcmitype/"/>
-    <ds:schemaRef ds:uri="http://purl.org/dc/elements/1.1/"/>
-    <ds:schemaRef ds:uri="http://purl.org/dc/terms/"/>
-    <ds:schemaRef ds:uri="http://schemas.microsoft.com/office/2006/documentManagement/types"/>
-    <ds:schemaRef ds:uri="http://schemas.microsoft.com/office/2006/metadata/properties"/>
-    <ds:schemaRef ds:uri="http://schemas.microsoft.com/office/infopath/2007/PartnerControls"/>
-    <ds:schemaRef ds:uri="http://schemas.openxmlformats.org/package/2006/metadata/core-properties"/>
-    <ds:schemaRef ds:uri="http://www.w3.org/XML/1998/namespace"/>
-    <ds:schemaRef ds:uri="0e1b2695-1a14-49df-bfba-d5b78c679949"/>
-    <ds:schemaRef ds:uri="c063b311-7538-4db3-af6e-4bd640bec0e2"/>
-  </ds:schemaRefs>
-</ds:datastoreItem>
-</file>
-
-<file path=customXml/itemProps3.xml><?xml version="1.0" encoding="utf-8"?>
-<ds:datastoreItem xmlns:ds="http://schemas.openxmlformats.org/officeDocument/2006/customXml" ds:itemID="{F1446BC0-6709-49D4-B0A5-A3962833E52F}">
-  <ds:schemaRefs>
-    <ds:schemaRef ds:uri="http://schemas.microsoft.com/office/2006/metadata/contentType"/>
-    <ds:schemaRef ds:uri="http://schemas.microsoft.com/office/2006/metadata/properties/metaAttributes"/>
-    <ds:schemaRef ds:uri="http://www.w3.org/2001/XMLSchema"/>
-    <ds:schemaRef ds:uri="http://schemas.microsoft.com/office/2006/metadata/properties"/>
-    <ds:schemaRef ds:uri="0e1b2695-1a14-49df-bfba-d5b78c679949"/>
-    <ds:schemaRef ds:uri="c063b311-7538-4db3-af6e-4bd640bec0e2"/>
-    <ds:schemaRef ds:uri="http://schemas.microsoft.com/office/2006/documentManagement/types"/>
-    <ds:schemaRef ds:uri="http://schemas.microsoft.com/office/infopath/2007/PartnerControls"/>
-    <ds:schemaRef ds:uri="http://schemas.openxmlformats.org/package/2006/metadata/core-properties"/>
-    <ds:schemaRef ds:uri="http://purl.org/dc/elements/1.1/"/>
-    <ds:schemaRef ds:uri="http://purl.org/dc/terms/"/>
-    <ds:schemaRef ds:uri="http://schemas.microsoft.com/internal/obd"/>
-  </ds:schemaRefs>
-</ds:datastoreItem>
 </file>